--- a/ПРИЛОЖЕНИЕ ДЛЯ ШИФРОВАНИЯ И РАСШИФРОВАНИЯ ШТФРОМ Атбаш.pptx
+++ b/ПРИЛОЖЕНИЕ ДЛЯ ШИФРОВАНИЯ И РАСШИФРОВАНИЯ ШТФРОМ Атбаш.pptx
@@ -5,12 +5,19 @@
     <p:sldMasterId id="2147483648" r:id="rId1"/>
   </p:sldMasterIdLst>
   <p:sldIdLst>
-    <p:sldId id="256" r:id="rId2"/>
-    <p:sldId id="257" r:id="rId3"/>
-    <p:sldId id="258" r:id="rId4"/>
-    <p:sldId id="259" r:id="rId5"/>
-    <p:sldId id="260" r:id="rId6"/>
-    <p:sldId id="261" r:id="rId7"/>
+    <p:sldId id="256" r:id="rId3"/>
+    <p:sldId id="257" r:id="rId4"/>
+    <p:sldId id="267" r:id="rId5"/>
+    <p:sldId id="258" r:id="rId6"/>
+    <p:sldId id="265" r:id="rId7"/>
+    <p:sldId id="259" r:id="rId8"/>
+    <p:sldId id="266" r:id="rId9"/>
+    <p:sldId id="260" r:id="rId10"/>
+    <p:sldId id="261" r:id="rId11"/>
+    <p:sldId id="262" r:id="rId12"/>
+    <p:sldId id="263" r:id="rId13"/>
+    <p:sldId id="268" r:id="rId14"/>
+    <p:sldId id="264" r:id="rId15"/>
   </p:sldIdLst>
   <p:sldSz cx="12192000" cy="6858000"/>
   <p:notesSz cx="6858000" cy="9144000"/>
@@ -113,7 +120,7 @@
 </file>
 
 <file path=ppt/slideLayouts/slideLayout1.xml><?xml version="1.0" encoding="utf-8"?>
-<p:sldLayout xmlns:a="http://schemas.openxmlformats.org/drawingml/2006/main" xmlns:r="http://schemas.openxmlformats.org/officeDocument/2006/relationships" xmlns:p="http://schemas.openxmlformats.org/presentationml/2006/main" showMasterSp="0" type="title" preserve="1">
+<p:sldLayout xmlns:a="http://schemas.openxmlformats.org/drawingml/2006/main" xmlns:r="http://schemas.openxmlformats.org/officeDocument/2006/relationships" xmlns:p="http://schemas.openxmlformats.org/presentationml/2006/main" type="title" preserve="1" showMasterSp="0">
   <p:cSld name="Титульный слайд">
     <p:spTree>
       <p:nvGrpSpPr>
@@ -167,15 +174,6 @@
             <a:avLst/>
           </a:prstGeom>
           <a:noFill/>
-          <a:extLst>
-            <a:ext uri="{909E8E84-426E-40dd-AFC4-6F175D3DCCD1}">
-              <a14:hiddenFill xmlns:a14="http://schemas.microsoft.com/office/drawing/2010/main" xmlns="">
-                <a:solidFill>
-                  <a:srgbClr val="FFFFFF"/>
-                </a:solidFill>
-              </a14:hiddenFill>
-            </a:ext>
-          </a:extLst>
         </p:spPr>
       </p:pic>
       <p:grpSp>
@@ -226,18 +224,6 @@
             <a:ln>
               <a:noFill/>
             </a:ln>
-            <a:extLst>
-              <a:ext uri="{91240B29-F687-4f45-9708-019B960494DF}">
-                <a14:hiddenLine xmlns:a14="http://schemas.microsoft.com/office/drawing/2010/main" xmlns="" w="9525">
-                  <a:solidFill>
-                    <a:srgbClr val="000000"/>
-                  </a:solidFill>
-                  <a:miter lim="800000"/>
-                  <a:headEnd/>
-                  <a:tailEnd/>
-                </a14:hiddenLine>
-              </a:ext>
-            </a:extLst>
           </p:spPr>
         </p:sp>
         <p:sp>
@@ -316,18 +302,6 @@
             <a:ln>
               <a:noFill/>
             </a:ln>
-            <a:extLst>
-              <a:ext uri="{91240B29-F687-4f45-9708-019B960494DF}">
-                <a14:hiddenLine xmlns:a14="http://schemas.microsoft.com/office/drawing/2010/main" xmlns="" w="9525">
-                  <a:solidFill>
-                    <a:srgbClr val="000000"/>
-                  </a:solidFill>
-                  <a:round/>
-                  <a:headEnd/>
-                  <a:tailEnd/>
-                </a14:hiddenLine>
-              </a:ext>
-            </a:extLst>
           </p:spPr>
         </p:sp>
         <p:sp>
@@ -406,18 +380,6 @@
             <a:ln>
               <a:noFill/>
             </a:ln>
-            <a:extLst>
-              <a:ext uri="{91240B29-F687-4f45-9708-019B960494DF}">
-                <a14:hiddenLine xmlns:a14="http://schemas.microsoft.com/office/drawing/2010/main" xmlns="" w="9525">
-                  <a:solidFill>
-                    <a:srgbClr val="000000"/>
-                  </a:solidFill>
-                  <a:round/>
-                  <a:headEnd/>
-                  <a:tailEnd/>
-                </a14:hiddenLine>
-              </a:ext>
-            </a:extLst>
           </p:spPr>
         </p:sp>
         <p:sp>
@@ -440,18 +402,6 @@
             <a:ln>
               <a:noFill/>
             </a:ln>
-            <a:extLst>
-              <a:ext uri="{91240B29-F687-4f45-9708-019B960494DF}">
-                <a14:hiddenLine xmlns:a14="http://schemas.microsoft.com/office/drawing/2010/main" xmlns="" w="9525">
-                  <a:solidFill>
-                    <a:srgbClr val="000000"/>
-                  </a:solidFill>
-                  <a:miter lim="800000"/>
-                  <a:headEnd/>
-                  <a:tailEnd/>
-                </a14:hiddenLine>
-              </a:ext>
-            </a:extLst>
           </p:spPr>
         </p:sp>
         <p:sp>
@@ -530,18 +480,6 @@
             <a:ln>
               <a:noFill/>
             </a:ln>
-            <a:extLst>
-              <a:ext uri="{91240B29-F687-4f45-9708-019B960494DF}">
-                <a14:hiddenLine xmlns:a14="http://schemas.microsoft.com/office/drawing/2010/main" xmlns="" w="9525">
-                  <a:solidFill>
-                    <a:srgbClr val="000000"/>
-                  </a:solidFill>
-                  <a:round/>
-                  <a:headEnd/>
-                  <a:tailEnd/>
-                </a14:hiddenLine>
-              </a:ext>
-            </a:extLst>
           </p:spPr>
         </p:sp>
         <p:sp>
@@ -592,18 +530,6 @@
             <a:ln>
               <a:noFill/>
             </a:ln>
-            <a:extLst>
-              <a:ext uri="{91240B29-F687-4f45-9708-019B960494DF}">
-                <a14:hiddenLine xmlns:a14="http://schemas.microsoft.com/office/drawing/2010/main" xmlns="" w="9525">
-                  <a:solidFill>
-                    <a:srgbClr val="000000"/>
-                  </a:solidFill>
-                  <a:round/>
-                  <a:headEnd/>
-                  <a:tailEnd/>
-                </a14:hiddenLine>
-              </a:ext>
-            </a:extLst>
           </p:spPr>
         </p:sp>
         <p:sp>
@@ -654,18 +580,6 @@
             <a:ln>
               <a:noFill/>
             </a:ln>
-            <a:extLst>
-              <a:ext uri="{91240B29-F687-4f45-9708-019B960494DF}">
-                <a14:hiddenLine xmlns:a14="http://schemas.microsoft.com/office/drawing/2010/main" xmlns="" w="9525">
-                  <a:solidFill>
-                    <a:srgbClr val="000000"/>
-                  </a:solidFill>
-                  <a:round/>
-                  <a:headEnd/>
-                  <a:tailEnd/>
-                </a14:hiddenLine>
-              </a:ext>
-            </a:extLst>
           </p:spPr>
         </p:sp>
         <p:sp>
@@ -744,18 +658,6 @@
             <a:ln>
               <a:noFill/>
             </a:ln>
-            <a:extLst>
-              <a:ext uri="{91240B29-F687-4f45-9708-019B960494DF}">
-                <a14:hiddenLine xmlns:a14="http://schemas.microsoft.com/office/drawing/2010/main" xmlns="" w="9525">
-                  <a:solidFill>
-                    <a:srgbClr val="000000"/>
-                  </a:solidFill>
-                  <a:round/>
-                  <a:headEnd/>
-                  <a:tailEnd/>
-                </a14:hiddenLine>
-              </a:ext>
-            </a:extLst>
           </p:spPr>
         </p:sp>
         <p:sp>
@@ -806,18 +708,6 @@
             <a:ln>
               <a:noFill/>
             </a:ln>
-            <a:extLst>
-              <a:ext uri="{91240B29-F687-4f45-9708-019B960494DF}">
-                <a14:hiddenLine xmlns:a14="http://schemas.microsoft.com/office/drawing/2010/main" xmlns="" w="9525">
-                  <a:solidFill>
-                    <a:srgbClr val="000000"/>
-                  </a:solidFill>
-                  <a:round/>
-                  <a:headEnd/>
-                  <a:tailEnd/>
-                </a14:hiddenLine>
-              </a:ext>
-            </a:extLst>
           </p:spPr>
         </p:sp>
         <p:sp>
@@ -868,18 +758,6 @@
             <a:ln>
               <a:noFill/>
             </a:ln>
-            <a:extLst>
-              <a:ext uri="{91240B29-F687-4f45-9708-019B960494DF}">
-                <a14:hiddenLine xmlns:a14="http://schemas.microsoft.com/office/drawing/2010/main" xmlns="" w="9525">
-                  <a:solidFill>
-                    <a:srgbClr val="000000"/>
-                  </a:solidFill>
-                  <a:round/>
-                  <a:headEnd/>
-                  <a:tailEnd/>
-                </a14:hiddenLine>
-              </a:ext>
-            </a:extLst>
           </p:spPr>
         </p:sp>
         <p:sp>
@@ -958,18 +836,6 @@
             <a:ln>
               <a:noFill/>
             </a:ln>
-            <a:extLst>
-              <a:ext uri="{91240B29-F687-4f45-9708-019B960494DF}">
-                <a14:hiddenLine xmlns:a14="http://schemas.microsoft.com/office/drawing/2010/main" xmlns="" w="9525">
-                  <a:solidFill>
-                    <a:srgbClr val="000000"/>
-                  </a:solidFill>
-                  <a:round/>
-                  <a:headEnd/>
-                  <a:tailEnd/>
-                </a14:hiddenLine>
-              </a:ext>
-            </a:extLst>
           </p:spPr>
         </p:sp>
         <p:sp>
@@ -1048,18 +914,6 @@
             <a:ln>
               <a:noFill/>
             </a:ln>
-            <a:extLst>
-              <a:ext uri="{91240B29-F687-4f45-9708-019B960494DF}">
-                <a14:hiddenLine xmlns:a14="http://schemas.microsoft.com/office/drawing/2010/main" xmlns="" w="9525">
-                  <a:solidFill>
-                    <a:srgbClr val="000000"/>
-                  </a:solidFill>
-                  <a:round/>
-                  <a:headEnd/>
-                  <a:tailEnd/>
-                </a14:hiddenLine>
-              </a:ext>
-            </a:extLst>
           </p:spPr>
         </p:sp>
         <p:sp>
@@ -1110,18 +964,6 @@
             <a:ln>
               <a:noFill/>
             </a:ln>
-            <a:extLst>
-              <a:ext uri="{91240B29-F687-4f45-9708-019B960494DF}">
-                <a14:hiddenLine xmlns:a14="http://schemas.microsoft.com/office/drawing/2010/main" xmlns="" w="9525">
-                  <a:solidFill>
-                    <a:srgbClr val="000000"/>
-                  </a:solidFill>
-                  <a:round/>
-                  <a:headEnd/>
-                  <a:tailEnd/>
-                </a14:hiddenLine>
-              </a:ext>
-            </a:extLst>
           </p:spPr>
         </p:sp>
         <p:sp>
@@ -1220,18 +1062,6 @@
             <a:ln>
               <a:noFill/>
             </a:ln>
-            <a:extLst>
-              <a:ext uri="{91240B29-F687-4f45-9708-019B960494DF}">
-                <a14:hiddenLine xmlns:a14="http://schemas.microsoft.com/office/drawing/2010/main" xmlns="" w="9525">
-                  <a:solidFill>
-                    <a:srgbClr val="000000"/>
-                  </a:solidFill>
-                  <a:round/>
-                  <a:headEnd/>
-                  <a:tailEnd/>
-                </a14:hiddenLine>
-              </a:ext>
-            </a:extLst>
           </p:spPr>
         </p:sp>
         <p:sp>
@@ -1282,18 +1112,6 @@
             <a:ln>
               <a:noFill/>
             </a:ln>
-            <a:extLst>
-              <a:ext uri="{91240B29-F687-4f45-9708-019B960494DF}">
-                <a14:hiddenLine xmlns:a14="http://schemas.microsoft.com/office/drawing/2010/main" xmlns="" w="9525">
-                  <a:solidFill>
-                    <a:srgbClr val="000000"/>
-                  </a:solidFill>
-                  <a:round/>
-                  <a:headEnd/>
-                  <a:tailEnd/>
-                </a14:hiddenLine>
-              </a:ext>
-            </a:extLst>
           </p:spPr>
         </p:sp>
         <p:sp>
@@ -1372,18 +1190,6 @@
             <a:ln>
               <a:noFill/>
             </a:ln>
-            <a:extLst>
-              <a:ext uri="{91240B29-F687-4f45-9708-019B960494DF}">
-                <a14:hiddenLine xmlns:a14="http://schemas.microsoft.com/office/drawing/2010/main" xmlns="" w="9525">
-                  <a:solidFill>
-                    <a:srgbClr val="000000"/>
-                  </a:solidFill>
-                  <a:round/>
-                  <a:headEnd/>
-                  <a:tailEnd/>
-                </a14:hiddenLine>
-              </a:ext>
-            </a:extLst>
           </p:spPr>
         </p:sp>
         <p:sp>
@@ -1462,18 +1268,6 @@
             <a:ln>
               <a:noFill/>
             </a:ln>
-            <a:extLst>
-              <a:ext uri="{91240B29-F687-4f45-9708-019B960494DF}">
-                <a14:hiddenLine xmlns:a14="http://schemas.microsoft.com/office/drawing/2010/main" xmlns="" w="9525">
-                  <a:solidFill>
-                    <a:srgbClr val="000000"/>
-                  </a:solidFill>
-                  <a:round/>
-                  <a:headEnd/>
-                  <a:tailEnd/>
-                </a14:hiddenLine>
-              </a:ext>
-            </a:extLst>
           </p:spPr>
         </p:sp>
         <p:sp>
@@ -1524,18 +1318,6 @@
             <a:ln>
               <a:noFill/>
             </a:ln>
-            <a:extLst>
-              <a:ext uri="{91240B29-F687-4f45-9708-019B960494DF}">
-                <a14:hiddenLine xmlns:a14="http://schemas.microsoft.com/office/drawing/2010/main" xmlns="" w="9525">
-                  <a:solidFill>
-                    <a:srgbClr val="000000"/>
-                  </a:solidFill>
-                  <a:round/>
-                  <a:headEnd/>
-                  <a:tailEnd/>
-                </a14:hiddenLine>
-              </a:ext>
-            </a:extLst>
           </p:spPr>
         </p:sp>
         <p:sp>
@@ -1614,18 +1396,6 @@
             <a:ln>
               <a:noFill/>
             </a:ln>
-            <a:extLst>
-              <a:ext uri="{91240B29-F687-4f45-9708-019B960494DF}">
-                <a14:hiddenLine xmlns:a14="http://schemas.microsoft.com/office/drawing/2010/main" xmlns="" w="9525">
-                  <a:solidFill>
-                    <a:srgbClr val="000000"/>
-                  </a:solidFill>
-                  <a:round/>
-                  <a:headEnd/>
-                  <a:tailEnd/>
-                </a14:hiddenLine>
-              </a:ext>
-            </a:extLst>
           </p:spPr>
         </p:sp>
         <p:sp>
@@ -1704,18 +1474,6 @@
             <a:ln>
               <a:noFill/>
             </a:ln>
-            <a:extLst>
-              <a:ext uri="{91240B29-F687-4f45-9708-019B960494DF}">
-                <a14:hiddenLine xmlns:a14="http://schemas.microsoft.com/office/drawing/2010/main" xmlns="" w="9525">
-                  <a:solidFill>
-                    <a:srgbClr val="000000"/>
-                  </a:solidFill>
-                  <a:round/>
-                  <a:headEnd/>
-                  <a:tailEnd/>
-                </a14:hiddenLine>
-              </a:ext>
-            </a:extLst>
           </p:spPr>
         </p:sp>
         <p:sp>
@@ -1760,18 +1518,6 @@
             <a:ln>
               <a:noFill/>
             </a:ln>
-            <a:extLst>
-              <a:ext uri="{91240B29-F687-4f45-9708-019B960494DF}">
-                <a14:hiddenLine xmlns:a14="http://schemas.microsoft.com/office/drawing/2010/main" xmlns="" w="9525">
-                  <a:solidFill>
-                    <a:srgbClr val="000000"/>
-                  </a:solidFill>
-                  <a:round/>
-                  <a:headEnd/>
-                  <a:tailEnd/>
-                </a14:hiddenLine>
-              </a:ext>
-            </a:extLst>
           </p:spPr>
         </p:sp>
         <p:sp>
@@ -1850,18 +1596,6 @@
             <a:ln>
               <a:noFill/>
             </a:ln>
-            <a:extLst>
-              <a:ext uri="{91240B29-F687-4f45-9708-019B960494DF}">
-                <a14:hiddenLine xmlns:a14="http://schemas.microsoft.com/office/drawing/2010/main" xmlns="" w="9525">
-                  <a:solidFill>
-                    <a:srgbClr val="000000"/>
-                  </a:solidFill>
-                  <a:round/>
-                  <a:headEnd/>
-                  <a:tailEnd/>
-                </a14:hiddenLine>
-              </a:ext>
-            </a:extLst>
           </p:spPr>
         </p:sp>
         <p:sp>
@@ -1906,18 +1640,6 @@
             <a:ln>
               <a:noFill/>
             </a:ln>
-            <a:extLst>
-              <a:ext uri="{91240B29-F687-4f45-9708-019B960494DF}">
-                <a14:hiddenLine xmlns:a14="http://schemas.microsoft.com/office/drawing/2010/main" xmlns="" w="9525">
-                  <a:solidFill>
-                    <a:srgbClr val="000000"/>
-                  </a:solidFill>
-                  <a:round/>
-                  <a:headEnd/>
-                  <a:tailEnd/>
-                </a14:hiddenLine>
-              </a:ext>
-            </a:extLst>
           </p:spPr>
         </p:sp>
         <p:sp>
@@ -1996,18 +1718,6 @@
             <a:ln>
               <a:noFill/>
             </a:ln>
-            <a:extLst>
-              <a:ext uri="{91240B29-F687-4f45-9708-019B960494DF}">
-                <a14:hiddenLine xmlns:a14="http://schemas.microsoft.com/office/drawing/2010/main" xmlns="" w="9525">
-                  <a:solidFill>
-                    <a:srgbClr val="000000"/>
-                  </a:solidFill>
-                  <a:round/>
-                  <a:headEnd/>
-                  <a:tailEnd/>
-                </a14:hiddenLine>
-              </a:ext>
-            </a:extLst>
           </p:spPr>
         </p:sp>
         <p:sp>
@@ -2064,18 +1774,6 @@
             <a:ln>
               <a:noFill/>
             </a:ln>
-            <a:extLst>
-              <a:ext uri="{91240B29-F687-4f45-9708-019B960494DF}">
-                <a14:hiddenLine xmlns:a14="http://schemas.microsoft.com/office/drawing/2010/main" xmlns="" w="9525">
-                  <a:solidFill>
-                    <a:srgbClr val="000000"/>
-                  </a:solidFill>
-                  <a:round/>
-                  <a:headEnd/>
-                  <a:tailEnd/>
-                </a14:hiddenLine>
-              </a:ext>
-            </a:extLst>
           </p:spPr>
         </p:sp>
         <p:sp>
@@ -2154,18 +1852,6 @@
             <a:ln>
               <a:noFill/>
             </a:ln>
-            <a:extLst>
-              <a:ext uri="{91240B29-F687-4f45-9708-019B960494DF}">
-                <a14:hiddenLine xmlns:a14="http://schemas.microsoft.com/office/drawing/2010/main" xmlns="" w="9525">
-                  <a:solidFill>
-                    <a:srgbClr val="000000"/>
-                  </a:solidFill>
-                  <a:round/>
-                  <a:headEnd/>
-                  <a:tailEnd/>
-                </a14:hiddenLine>
-              </a:ext>
-            </a:extLst>
           </p:spPr>
         </p:sp>
         <p:sp>
@@ -2222,18 +1908,6 @@
             <a:ln>
               <a:noFill/>
             </a:ln>
-            <a:extLst>
-              <a:ext uri="{91240B29-F687-4f45-9708-019B960494DF}">
-                <a14:hiddenLine xmlns:a14="http://schemas.microsoft.com/office/drawing/2010/main" xmlns="" w="9525">
-                  <a:solidFill>
-                    <a:srgbClr val="000000"/>
-                  </a:solidFill>
-                  <a:round/>
-                  <a:headEnd/>
-                  <a:tailEnd/>
-                </a14:hiddenLine>
-              </a:ext>
-            </a:extLst>
           </p:spPr>
         </p:sp>
         <p:sp>
@@ -2312,18 +1986,6 @@
             <a:ln>
               <a:noFill/>
             </a:ln>
-            <a:extLst>
-              <a:ext uri="{91240B29-F687-4f45-9708-019B960494DF}">
-                <a14:hiddenLine xmlns:a14="http://schemas.microsoft.com/office/drawing/2010/main" xmlns="" w="9525">
-                  <a:solidFill>
-                    <a:srgbClr val="000000"/>
-                  </a:solidFill>
-                  <a:round/>
-                  <a:headEnd/>
-                  <a:tailEnd/>
-                </a14:hiddenLine>
-              </a:ext>
-            </a:extLst>
           </p:spPr>
         </p:sp>
         <p:sp>
@@ -2346,18 +2008,6 @@
             <a:ln>
               <a:noFill/>
             </a:ln>
-            <a:extLst>
-              <a:ext uri="{91240B29-F687-4f45-9708-019B960494DF}">
-                <a14:hiddenLine xmlns:a14="http://schemas.microsoft.com/office/drawing/2010/main" xmlns="" w="9525">
-                  <a:solidFill>
-                    <a:srgbClr val="000000"/>
-                  </a:solidFill>
-                  <a:miter lim="800000"/>
-                  <a:headEnd/>
-                  <a:tailEnd/>
-                </a14:hiddenLine>
-              </a:ext>
-            </a:extLst>
           </p:spPr>
         </p:sp>
         <p:sp>
@@ -2436,18 +2086,6 @@
             <a:ln>
               <a:noFill/>
             </a:ln>
-            <a:extLst>
-              <a:ext uri="{91240B29-F687-4f45-9708-019B960494DF}">
-                <a14:hiddenLine xmlns:a14="http://schemas.microsoft.com/office/drawing/2010/main" xmlns="" w="9525">
-                  <a:solidFill>
-                    <a:srgbClr val="000000"/>
-                  </a:solidFill>
-                  <a:round/>
-                  <a:headEnd/>
-                  <a:tailEnd/>
-                </a14:hiddenLine>
-              </a:ext>
-            </a:extLst>
           </p:spPr>
         </p:sp>
         <p:sp>
@@ -2498,18 +2136,6 @@
             <a:ln>
               <a:noFill/>
             </a:ln>
-            <a:extLst>
-              <a:ext uri="{91240B29-F687-4f45-9708-019B960494DF}">
-                <a14:hiddenLine xmlns:a14="http://schemas.microsoft.com/office/drawing/2010/main" xmlns="" w="9525">
-                  <a:solidFill>
-                    <a:srgbClr val="000000"/>
-                  </a:solidFill>
-                  <a:round/>
-                  <a:headEnd/>
-                  <a:tailEnd/>
-                </a14:hiddenLine>
-              </a:ext>
-            </a:extLst>
           </p:spPr>
         </p:sp>
         <p:sp>
@@ -2560,18 +2186,6 @@
             <a:ln>
               <a:noFill/>
             </a:ln>
-            <a:extLst>
-              <a:ext uri="{91240B29-F687-4f45-9708-019B960494DF}">
-                <a14:hiddenLine xmlns:a14="http://schemas.microsoft.com/office/drawing/2010/main" xmlns="" w="9525">
-                  <a:solidFill>
-                    <a:srgbClr val="000000"/>
-                  </a:solidFill>
-                  <a:round/>
-                  <a:headEnd/>
-                  <a:tailEnd/>
-                </a14:hiddenLine>
-              </a:ext>
-            </a:extLst>
           </p:spPr>
         </p:sp>
         <p:sp>
@@ -2650,18 +2264,6 @@
             <a:ln>
               <a:noFill/>
             </a:ln>
-            <a:extLst>
-              <a:ext uri="{91240B29-F687-4f45-9708-019B960494DF}">
-                <a14:hiddenLine xmlns:a14="http://schemas.microsoft.com/office/drawing/2010/main" xmlns="" w="9525">
-                  <a:solidFill>
-                    <a:srgbClr val="000000"/>
-                  </a:solidFill>
-                  <a:round/>
-                  <a:headEnd/>
-                  <a:tailEnd/>
-                </a14:hiddenLine>
-              </a:ext>
-            </a:extLst>
           </p:spPr>
         </p:sp>
         <p:sp>
@@ -2718,18 +2320,6 @@
             <a:ln>
               <a:noFill/>
             </a:ln>
-            <a:extLst>
-              <a:ext uri="{91240B29-F687-4f45-9708-019B960494DF}">
-                <a14:hiddenLine xmlns:a14="http://schemas.microsoft.com/office/drawing/2010/main" xmlns="" w="9525">
-                  <a:solidFill>
-                    <a:srgbClr val="000000"/>
-                  </a:solidFill>
-                  <a:round/>
-                  <a:headEnd/>
-                  <a:tailEnd/>
-                </a14:hiddenLine>
-              </a:ext>
-            </a:extLst>
           </p:spPr>
         </p:sp>
         <p:sp>
@@ -2780,18 +2370,6 @@
             <a:ln>
               <a:noFill/>
             </a:ln>
-            <a:extLst>
-              <a:ext uri="{91240B29-F687-4f45-9708-019B960494DF}">
-                <a14:hiddenLine xmlns:a14="http://schemas.microsoft.com/office/drawing/2010/main" xmlns="" w="9525">
-                  <a:solidFill>
-                    <a:srgbClr val="000000"/>
-                  </a:solidFill>
-                  <a:round/>
-                  <a:headEnd/>
-                  <a:tailEnd/>
-                </a14:hiddenLine>
-              </a:ext>
-            </a:extLst>
           </p:spPr>
         </p:sp>
         <p:sp>
@@ -2870,18 +2448,6 @@
             <a:ln>
               <a:noFill/>
             </a:ln>
-            <a:extLst>
-              <a:ext uri="{91240B29-F687-4f45-9708-019B960494DF}">
-                <a14:hiddenLine xmlns:a14="http://schemas.microsoft.com/office/drawing/2010/main" xmlns="" w="9525">
-                  <a:solidFill>
-                    <a:srgbClr val="000000"/>
-                  </a:solidFill>
-                  <a:round/>
-                  <a:headEnd/>
-                  <a:tailEnd/>
-                </a14:hiddenLine>
-              </a:ext>
-            </a:extLst>
           </p:spPr>
         </p:sp>
         <p:sp>
@@ -2932,18 +2498,6 @@
             <a:ln>
               <a:noFill/>
             </a:ln>
-            <a:extLst>
-              <a:ext uri="{91240B29-F687-4f45-9708-019B960494DF}">
-                <a14:hiddenLine xmlns:a14="http://schemas.microsoft.com/office/drawing/2010/main" xmlns="" w="9525">
-                  <a:solidFill>
-                    <a:srgbClr val="000000"/>
-                  </a:solidFill>
-                  <a:round/>
-                  <a:headEnd/>
-                  <a:tailEnd/>
-                </a14:hiddenLine>
-              </a:ext>
-            </a:extLst>
           </p:spPr>
         </p:sp>
         <p:sp>
@@ -3022,18 +2576,6 @@
             <a:ln>
               <a:noFill/>
             </a:ln>
-            <a:extLst>
-              <a:ext uri="{91240B29-F687-4f45-9708-019B960494DF}">
-                <a14:hiddenLine xmlns:a14="http://schemas.microsoft.com/office/drawing/2010/main" xmlns="" w="9525">
-                  <a:solidFill>
-                    <a:srgbClr val="000000"/>
-                  </a:solidFill>
-                  <a:round/>
-                  <a:headEnd/>
-                  <a:tailEnd/>
-                </a14:hiddenLine>
-              </a:ext>
-            </a:extLst>
           </p:spPr>
         </p:sp>
         <p:sp>
@@ -3084,18 +2626,6 @@
             <a:ln>
               <a:noFill/>
             </a:ln>
-            <a:extLst>
-              <a:ext uri="{91240B29-F687-4f45-9708-019B960494DF}">
-                <a14:hiddenLine xmlns:a14="http://schemas.microsoft.com/office/drawing/2010/main" xmlns="" w="9525">
-                  <a:solidFill>
-                    <a:srgbClr val="000000"/>
-                  </a:solidFill>
-                  <a:round/>
-                  <a:headEnd/>
-                  <a:tailEnd/>
-                </a14:hiddenLine>
-              </a:ext>
-            </a:extLst>
           </p:spPr>
         </p:sp>
         <p:sp>
@@ -3174,18 +2704,6 @@
             <a:ln>
               <a:noFill/>
             </a:ln>
-            <a:extLst>
-              <a:ext uri="{91240B29-F687-4f45-9708-019B960494DF}">
-                <a14:hiddenLine xmlns:a14="http://schemas.microsoft.com/office/drawing/2010/main" xmlns="" w="9525">
-                  <a:solidFill>
-                    <a:srgbClr val="000000"/>
-                  </a:solidFill>
-                  <a:round/>
-                  <a:headEnd/>
-                  <a:tailEnd/>
-                </a14:hiddenLine>
-              </a:ext>
-            </a:extLst>
           </p:spPr>
         </p:sp>
         <p:sp>
@@ -3208,18 +2726,6 @@
             <a:ln>
               <a:noFill/>
             </a:ln>
-            <a:extLst>
-              <a:ext uri="{91240B29-F687-4f45-9708-019B960494DF}">
-                <a14:hiddenLine xmlns:a14="http://schemas.microsoft.com/office/drawing/2010/main" xmlns="" w="9525">
-                  <a:solidFill>
-                    <a:srgbClr val="000000"/>
-                  </a:solidFill>
-                  <a:miter lim="800000"/>
-                  <a:headEnd/>
-                  <a:tailEnd/>
-                </a14:hiddenLine>
-              </a:ext>
-            </a:extLst>
           </p:spPr>
         </p:sp>
         <p:sp>
@@ -3273,18 +2779,6 @@
             <a:ln>
               <a:noFill/>
             </a:ln>
-            <a:extLst>
-              <a:ext uri="{91240B29-F687-4f45-9708-019B960494DF}">
-                <a14:hiddenLine xmlns:a14="http://schemas.microsoft.com/office/drawing/2010/main" xmlns="" w="9525">
-                  <a:solidFill>
-                    <a:srgbClr val="000000"/>
-                  </a:solidFill>
-                  <a:round/>
-                  <a:headEnd/>
-                  <a:tailEnd/>
-                </a14:hiddenLine>
-              </a:ext>
-            </a:extLst>
           </p:spPr>
         </p:sp>
         <p:sp>
@@ -3363,18 +2857,6 @@
             <a:ln>
               <a:noFill/>
             </a:ln>
-            <a:extLst>
-              <a:ext uri="{91240B29-F687-4f45-9708-019B960494DF}">
-                <a14:hiddenLine xmlns:a14="http://schemas.microsoft.com/office/drawing/2010/main" xmlns="" w="9525">
-                  <a:solidFill>
-                    <a:srgbClr val="000000"/>
-                  </a:solidFill>
-                  <a:round/>
-                  <a:headEnd/>
-                  <a:tailEnd/>
-                </a14:hiddenLine>
-              </a:ext>
-            </a:extLst>
           </p:spPr>
         </p:sp>
         <p:sp>
@@ -3425,18 +2907,6 @@
             <a:ln>
               <a:noFill/>
             </a:ln>
-            <a:extLst>
-              <a:ext uri="{91240B29-F687-4f45-9708-019B960494DF}">
-                <a14:hiddenLine xmlns:a14="http://schemas.microsoft.com/office/drawing/2010/main" xmlns="" w="9525">
-                  <a:solidFill>
-                    <a:srgbClr val="000000"/>
-                  </a:solidFill>
-                  <a:round/>
-                  <a:headEnd/>
-                  <a:tailEnd/>
-                </a14:hiddenLine>
-              </a:ext>
-            </a:extLst>
           </p:spPr>
         </p:sp>
         <p:sp>
@@ -3515,18 +2985,6 @@
             <a:ln>
               <a:noFill/>
             </a:ln>
-            <a:extLst>
-              <a:ext uri="{91240B29-F687-4f45-9708-019B960494DF}">
-                <a14:hiddenLine xmlns:a14="http://schemas.microsoft.com/office/drawing/2010/main" xmlns="" w="9525">
-                  <a:solidFill>
-                    <a:srgbClr val="000000"/>
-                  </a:solidFill>
-                  <a:round/>
-                  <a:headEnd/>
-                  <a:tailEnd/>
-                </a14:hiddenLine>
-              </a:ext>
-            </a:extLst>
           </p:spPr>
         </p:sp>
         <p:sp>
@@ -3605,18 +3063,6 @@
             <a:ln>
               <a:noFill/>
             </a:ln>
-            <a:extLst>
-              <a:ext uri="{91240B29-F687-4f45-9708-019B960494DF}">
-                <a14:hiddenLine xmlns:a14="http://schemas.microsoft.com/office/drawing/2010/main" xmlns="" w="9525">
-                  <a:solidFill>
-                    <a:srgbClr val="000000"/>
-                  </a:solidFill>
-                  <a:round/>
-                  <a:headEnd/>
-                  <a:tailEnd/>
-                </a14:hiddenLine>
-              </a:ext>
-            </a:extLst>
           </p:spPr>
         </p:sp>
         <p:sp>
@@ -3670,18 +3116,6 @@
             <a:ln>
               <a:noFill/>
             </a:ln>
-            <a:extLst>
-              <a:ext uri="{91240B29-F687-4f45-9708-019B960494DF}">
-                <a14:hiddenLine xmlns:a14="http://schemas.microsoft.com/office/drawing/2010/main" xmlns="" w="9525">
-                  <a:solidFill>
-                    <a:srgbClr val="000000"/>
-                  </a:solidFill>
-                  <a:round/>
-                  <a:headEnd/>
-                  <a:tailEnd/>
-                </a14:hiddenLine>
-              </a:ext>
-            </a:extLst>
           </p:spPr>
         </p:sp>
         <p:sp>
@@ -3732,18 +3166,6 @@
             <a:ln>
               <a:noFill/>
             </a:ln>
-            <a:extLst>
-              <a:ext uri="{91240B29-F687-4f45-9708-019B960494DF}">
-                <a14:hiddenLine xmlns:a14="http://schemas.microsoft.com/office/drawing/2010/main" xmlns="" w="9525">
-                  <a:solidFill>
-                    <a:srgbClr val="000000"/>
-                  </a:solidFill>
-                  <a:round/>
-                  <a:headEnd/>
-                  <a:tailEnd/>
-                </a14:hiddenLine>
-              </a:ext>
-            </a:extLst>
           </p:spPr>
         </p:sp>
         <p:sp>
@@ -3822,18 +3244,6 @@
             <a:ln>
               <a:noFill/>
             </a:ln>
-            <a:extLst>
-              <a:ext uri="{91240B29-F687-4f45-9708-019B960494DF}">
-                <a14:hiddenLine xmlns:a14="http://schemas.microsoft.com/office/drawing/2010/main" xmlns="" w="9525">
-                  <a:solidFill>
-                    <a:srgbClr val="000000"/>
-                  </a:solidFill>
-                  <a:round/>
-                  <a:headEnd/>
-                  <a:tailEnd/>
-                </a14:hiddenLine>
-              </a:ext>
-            </a:extLst>
           </p:spPr>
         </p:sp>
         <p:sp>
@@ -3912,18 +3322,6 @@
             <a:ln>
               <a:noFill/>
             </a:ln>
-            <a:extLst>
-              <a:ext uri="{91240B29-F687-4f45-9708-019B960494DF}">
-                <a14:hiddenLine xmlns:a14="http://schemas.microsoft.com/office/drawing/2010/main" xmlns="" w="9525">
-                  <a:solidFill>
-                    <a:srgbClr val="000000"/>
-                  </a:solidFill>
-                  <a:round/>
-                  <a:headEnd/>
-                  <a:tailEnd/>
-                </a14:hiddenLine>
-              </a:ext>
-            </a:extLst>
           </p:spPr>
         </p:sp>
         <p:sp>
@@ -3974,18 +3372,6 @@
             <a:ln>
               <a:noFill/>
             </a:ln>
-            <a:extLst>
-              <a:ext uri="{91240B29-F687-4f45-9708-019B960494DF}">
-                <a14:hiddenLine xmlns:a14="http://schemas.microsoft.com/office/drawing/2010/main" xmlns="" w="9525">
-                  <a:solidFill>
-                    <a:srgbClr val="000000"/>
-                  </a:solidFill>
-                  <a:round/>
-                  <a:headEnd/>
-                  <a:tailEnd/>
-                </a14:hiddenLine>
-              </a:ext>
-            </a:extLst>
           </p:spPr>
         </p:sp>
         <p:sp>
@@ -4094,18 +3480,6 @@
             <a:ln>
               <a:noFill/>
             </a:ln>
-            <a:extLst>
-              <a:ext uri="{91240B29-F687-4f45-9708-019B960494DF}">
-                <a14:hiddenLine xmlns:a14="http://schemas.microsoft.com/office/drawing/2010/main" xmlns="" w="9525">
-                  <a:solidFill>
-                    <a:srgbClr val="000000"/>
-                  </a:solidFill>
-                  <a:round/>
-                  <a:headEnd/>
-                  <a:tailEnd/>
-                </a14:hiddenLine>
-              </a:ext>
-            </a:extLst>
           </p:spPr>
         </p:sp>
         <p:sp>
@@ -4162,18 +3536,6 @@
             <a:ln>
               <a:noFill/>
             </a:ln>
-            <a:extLst>
-              <a:ext uri="{91240B29-F687-4f45-9708-019B960494DF}">
-                <a14:hiddenLine xmlns:a14="http://schemas.microsoft.com/office/drawing/2010/main" xmlns="" w="9525">
-                  <a:solidFill>
-                    <a:srgbClr val="000000"/>
-                  </a:solidFill>
-                  <a:round/>
-                  <a:headEnd/>
-                  <a:tailEnd/>
-                </a14:hiddenLine>
-              </a:ext>
-            </a:extLst>
           </p:spPr>
         </p:sp>
         <p:sp>
@@ -4252,18 +3614,6 @@
             <a:ln>
               <a:noFill/>
             </a:ln>
-            <a:extLst>
-              <a:ext uri="{91240B29-F687-4f45-9708-019B960494DF}">
-                <a14:hiddenLine xmlns:a14="http://schemas.microsoft.com/office/drawing/2010/main" xmlns="" w="9525">
-                  <a:solidFill>
-                    <a:srgbClr val="000000"/>
-                  </a:solidFill>
-                  <a:round/>
-                  <a:headEnd/>
-                  <a:tailEnd/>
-                </a14:hiddenLine>
-              </a:ext>
-            </a:extLst>
           </p:spPr>
         </p:sp>
       </p:grpSp>
@@ -4394,7 +3744,6 @@
           <a:p>
             <a:fld id="{48A87A34-81AB-432B-8DAE-1953F412C126}" type="datetimeFigureOut">
               <a:rPr lang="en-US" dirty="0"/>
-              <a:t>7/19/2024</a:t>
             </a:fld>
             <a:endParaRPr lang="en-US" dirty="0"/>
           </a:p>
@@ -4446,7 +3795,6 @@
           <a:p>
             <a:fld id="{6D22F896-40B5-4ADD-8801-0D06FADFA095}" type="slidenum">
               <a:rPr lang="en-US" dirty="0"/>
-              <a:t>‹#›</a:t>
             </a:fld>
             <a:endParaRPr lang="en-US" dirty="0"/>
           </a:p>
@@ -4636,6 +3984,7 @@
               <a:rPr lang="ru-RU"/>
               <a:t>Образец текста</a:t>
             </a:r>
+            <a:endParaRPr lang="ru-RU"/>
           </a:p>
         </p:txBody>
       </p:sp>
@@ -4656,7 +4005,6 @@
           <a:p>
             <a:fld id="{48A87A34-81AB-432B-8DAE-1953F412C126}" type="datetimeFigureOut">
               <a:rPr lang="en-US" dirty="0"/>
-              <a:t>7/19/2024</a:t>
             </a:fld>
             <a:endParaRPr lang="en-US" dirty="0"/>
           </a:p>
@@ -4698,7 +4046,6 @@
           <a:p>
             <a:fld id="{6D22F896-40B5-4ADD-8801-0D06FADFA095}" type="slidenum">
               <a:rPr lang="en-US" dirty="0"/>
-              <a:t>‹#›</a:t>
             </a:fld>
             <a:endParaRPr lang="en-US" dirty="0"/>
           </a:p>
@@ -4827,6 +4174,7 @@
               <a:rPr lang="ru-RU"/>
               <a:t>Образец текста</a:t>
             </a:r>
+            <a:endParaRPr lang="ru-RU"/>
           </a:p>
         </p:txBody>
       </p:sp>
@@ -4847,7 +4195,6 @@
           <a:p>
             <a:fld id="{48A87A34-81AB-432B-8DAE-1953F412C126}" type="datetimeFigureOut">
               <a:rPr lang="en-US" dirty="0"/>
-              <a:t>7/19/2024</a:t>
             </a:fld>
             <a:endParaRPr lang="en-US" dirty="0"/>
           </a:p>
@@ -4889,7 +4236,6 @@
           <a:p>
             <a:fld id="{6D22F896-40B5-4ADD-8801-0D06FADFA095}" type="slidenum">
               <a:rPr lang="en-US" dirty="0"/>
-              <a:t>‹#›</a:t>
             </a:fld>
             <a:endParaRPr lang="en-US" dirty="0"/>
           </a:p>
@@ -5018,6 +4364,7 @@
               <a:rPr lang="ru-RU"/>
               <a:t>Образец текста</a:t>
             </a:r>
+            <a:endParaRPr lang="ru-RU"/>
           </a:p>
         </p:txBody>
       </p:sp>
@@ -5085,6 +4432,7 @@
               <a:rPr lang="ru-RU"/>
               <a:t>Образец текста</a:t>
             </a:r>
+            <a:endParaRPr lang="ru-RU"/>
           </a:p>
         </p:txBody>
       </p:sp>
@@ -5105,7 +4453,6 @@
           <a:p>
             <a:fld id="{48A87A34-81AB-432B-8DAE-1953F412C126}" type="datetimeFigureOut">
               <a:rPr lang="en-US" dirty="0"/>
-              <a:t>7/19/2024</a:t>
             </a:fld>
             <a:endParaRPr lang="en-US" dirty="0"/>
           </a:p>
@@ -5147,7 +4494,6 @@
           <a:p>
             <a:fld id="{6D22F896-40B5-4ADD-8801-0D06FADFA095}" type="slidenum">
               <a:rPr lang="en-US" dirty="0"/>
-              <a:t>‹#›</a:t>
             </a:fld>
             <a:endParaRPr lang="en-US" dirty="0"/>
           </a:p>
@@ -5198,7 +4544,7 @@
                 </a:effectLst>
                 <a:latin typeface="+mj-lt"/>
                 <a:ea typeface="+mj-ea"/>
-                <a:cs typeface="Trebuchet MS"/>
+                <a:cs typeface="Trebuchet MS" panose="020B0603020202020204"/>
               </a:defRPr>
             </a:lvl1pPr>
             <a:lvl2pPr>
@@ -5269,6 +4615,12 @@
               </a:rPr>
               <a:t>“</a:t>
             </a:r>
+            <a:endParaRPr lang="en-US" sz="8000" dirty="0">
+              <a:solidFill>
+                <a:schemeClr val="tx1"/>
+              </a:solidFill>
+              <a:effectLst/>
+            </a:endParaRPr>
           </a:p>
         </p:txBody>
       </p:sp>
@@ -5317,7 +4669,7 @@
                 </a:effectLst>
                 <a:latin typeface="+mj-lt"/>
                 <a:ea typeface="+mj-ea"/>
-                <a:cs typeface="Trebuchet MS"/>
+                <a:cs typeface="Trebuchet MS" panose="020B0603020202020204"/>
               </a:defRPr>
             </a:lvl1pPr>
             <a:lvl2pPr>
@@ -5388,6 +4740,12 @@
               </a:rPr>
               <a:t>”</a:t>
             </a:r>
+            <a:endParaRPr lang="en-US" sz="8000" dirty="0">
+              <a:solidFill>
+                <a:schemeClr val="tx1"/>
+              </a:solidFill>
+              <a:effectLst/>
+            </a:endParaRPr>
           </a:p>
         </p:txBody>
       </p:sp>
@@ -5514,6 +4872,7 @@
               <a:rPr lang="ru-RU"/>
               <a:t>Образец текста</a:t>
             </a:r>
+            <a:endParaRPr lang="ru-RU"/>
           </a:p>
         </p:txBody>
       </p:sp>
@@ -5534,7 +4893,6 @@
           <a:p>
             <a:fld id="{48A87A34-81AB-432B-8DAE-1953F412C126}" type="datetimeFigureOut">
               <a:rPr lang="en-US" dirty="0"/>
-              <a:t>7/19/2024</a:t>
             </a:fld>
             <a:endParaRPr lang="en-US" dirty="0"/>
           </a:p>
@@ -5576,7 +4934,6 @@
           <a:p>
             <a:fld id="{6D22F896-40B5-4ADD-8801-0D06FADFA095}" type="slidenum">
               <a:rPr lang="en-US" dirty="0"/>
-              <a:t>‹#›</a:t>
             </a:fld>
             <a:endParaRPr lang="en-US" dirty="0"/>
           </a:p>
@@ -5706,6 +5063,7 @@
               <a:rPr lang="ru-RU"/>
               <a:t>Образец текста</a:t>
             </a:r>
+            <a:endParaRPr lang="ru-RU"/>
           </a:p>
         </p:txBody>
       </p:sp>
@@ -5773,6 +5131,7 @@
               <a:rPr lang="ru-RU"/>
               <a:t>Образец текста</a:t>
             </a:r>
+            <a:endParaRPr lang="ru-RU"/>
           </a:p>
         </p:txBody>
       </p:sp>
@@ -5847,6 +5206,7 @@
               <a:rPr lang="ru-RU"/>
               <a:t>Образец текста</a:t>
             </a:r>
+            <a:endParaRPr lang="ru-RU"/>
           </a:p>
         </p:txBody>
       </p:sp>
@@ -5914,6 +5274,7 @@
               <a:rPr lang="ru-RU"/>
               <a:t>Образец текста</a:t>
             </a:r>
+            <a:endParaRPr lang="ru-RU"/>
           </a:p>
         </p:txBody>
       </p:sp>
@@ -5988,6 +5349,7 @@
               <a:rPr lang="ru-RU"/>
               <a:t>Образец текста</a:t>
             </a:r>
+            <a:endParaRPr lang="ru-RU"/>
           </a:p>
         </p:txBody>
       </p:sp>
@@ -6055,6 +5417,7 @@
               <a:rPr lang="ru-RU"/>
               <a:t>Образец текста</a:t>
             </a:r>
+            <a:endParaRPr lang="ru-RU"/>
           </a:p>
         </p:txBody>
       </p:sp>
@@ -6075,7 +5438,6 @@
           <a:p>
             <a:fld id="{48A87A34-81AB-432B-8DAE-1953F412C126}" type="datetimeFigureOut">
               <a:rPr lang="en-US" dirty="0"/>
-              <a:t>7/19/2024</a:t>
             </a:fld>
             <a:endParaRPr lang="en-US" dirty="0"/>
           </a:p>
@@ -6117,7 +5479,6 @@
           <a:p>
             <a:fld id="{6D22F896-40B5-4ADD-8801-0D06FADFA095}" type="slidenum">
               <a:rPr lang="en-US" dirty="0"/>
-              <a:t>‹#›</a:t>
             </a:fld>
             <a:endParaRPr lang="en-US" dirty="0"/>
           </a:p>
@@ -6247,6 +5608,7 @@
               <a:rPr lang="ru-RU"/>
               <a:t>Образец текста</a:t>
             </a:r>
+            <a:endParaRPr lang="ru-RU"/>
           </a:p>
         </p:txBody>
       </p:sp>
@@ -6372,6 +5734,7 @@
               <a:rPr lang="ru-RU"/>
               <a:t>Образец текста</a:t>
             </a:r>
+            <a:endParaRPr lang="ru-RU"/>
           </a:p>
         </p:txBody>
       </p:sp>
@@ -6446,6 +5809,7 @@
               <a:rPr lang="ru-RU"/>
               <a:t>Образец текста</a:t>
             </a:r>
+            <a:endParaRPr lang="ru-RU"/>
           </a:p>
         </p:txBody>
       </p:sp>
@@ -6571,6 +5935,7 @@
               <a:rPr lang="ru-RU"/>
               <a:t>Образец текста</a:t>
             </a:r>
+            <a:endParaRPr lang="ru-RU"/>
           </a:p>
         </p:txBody>
       </p:sp>
@@ -6645,6 +6010,7 @@
               <a:rPr lang="ru-RU"/>
               <a:t>Образец текста</a:t>
             </a:r>
+            <a:endParaRPr lang="ru-RU"/>
           </a:p>
         </p:txBody>
       </p:sp>
@@ -6770,6 +6136,7 @@
               <a:rPr lang="ru-RU"/>
               <a:t>Образец текста</a:t>
             </a:r>
+            <a:endParaRPr lang="ru-RU"/>
           </a:p>
         </p:txBody>
       </p:sp>
@@ -6790,7 +6157,6 @@
           <a:p>
             <a:fld id="{48A87A34-81AB-432B-8DAE-1953F412C126}" type="datetimeFigureOut">
               <a:rPr lang="en-US" dirty="0"/>
-              <a:t>7/19/2024</a:t>
             </a:fld>
             <a:endParaRPr lang="en-US" dirty="0"/>
           </a:p>
@@ -6832,7 +6198,6 @@
           <a:p>
             <a:fld id="{6D22F896-40B5-4ADD-8801-0D06FADFA095}" type="slidenum">
               <a:rPr lang="en-US" dirty="0"/>
-              <a:t>‹#›</a:t>
             </a:fld>
             <a:endParaRPr lang="en-US" dirty="0"/>
           </a:p>
@@ -6906,6 +6271,7 @@
               <a:rPr lang="ru-RU"/>
               <a:t>Образец текста</a:t>
             </a:r>
+            <a:endParaRPr lang="ru-RU"/>
           </a:p>
           <a:p>
             <a:pPr lvl="1"/>
@@ -6913,6 +6279,7 @@
               <a:rPr lang="ru-RU"/>
               <a:t>Второй уровень</a:t>
             </a:r>
+            <a:endParaRPr lang="ru-RU"/>
           </a:p>
           <a:p>
             <a:pPr lvl="2"/>
@@ -6920,6 +6287,7 @@
               <a:rPr lang="ru-RU"/>
               <a:t>Третий уровень</a:t>
             </a:r>
+            <a:endParaRPr lang="ru-RU"/>
           </a:p>
           <a:p>
             <a:pPr lvl="3"/>
@@ -6927,6 +6295,7 @@
               <a:rPr lang="ru-RU"/>
               <a:t>Четвертый уровень</a:t>
             </a:r>
+            <a:endParaRPr lang="ru-RU"/>
           </a:p>
           <a:p>
             <a:pPr lvl="4"/>
@@ -6955,7 +6324,6 @@
           <a:p>
             <a:fld id="{48A87A34-81AB-432B-8DAE-1953F412C126}" type="datetimeFigureOut">
               <a:rPr lang="en-US" dirty="0"/>
-              <a:t>7/19/2024</a:t>
             </a:fld>
             <a:endParaRPr lang="en-US" dirty="0"/>
           </a:p>
@@ -6997,7 +6365,6 @@
           <a:p>
             <a:fld id="{6D22F896-40B5-4ADD-8801-0D06FADFA095}" type="slidenum">
               <a:rPr lang="en-US" dirty="0"/>
-              <a:t>‹#›</a:t>
             </a:fld>
             <a:endParaRPr lang="en-US" dirty="0"/>
           </a:p>
@@ -7081,6 +6448,7 @@
               <a:rPr lang="ru-RU"/>
               <a:t>Образец текста</a:t>
             </a:r>
+            <a:endParaRPr lang="ru-RU"/>
           </a:p>
           <a:p>
             <a:pPr lvl="1"/>
@@ -7088,6 +6456,7 @@
               <a:rPr lang="ru-RU"/>
               <a:t>Второй уровень</a:t>
             </a:r>
+            <a:endParaRPr lang="ru-RU"/>
           </a:p>
           <a:p>
             <a:pPr lvl="2"/>
@@ -7095,6 +6464,7 @@
               <a:rPr lang="ru-RU"/>
               <a:t>Третий уровень</a:t>
             </a:r>
+            <a:endParaRPr lang="ru-RU"/>
           </a:p>
           <a:p>
             <a:pPr lvl="3"/>
@@ -7102,6 +6472,7 @@
               <a:rPr lang="ru-RU"/>
               <a:t>Четвертый уровень</a:t>
             </a:r>
+            <a:endParaRPr lang="ru-RU"/>
           </a:p>
           <a:p>
             <a:pPr lvl="4"/>
@@ -7130,7 +6501,6 @@
           <a:p>
             <a:fld id="{48A87A34-81AB-432B-8DAE-1953F412C126}" type="datetimeFigureOut">
               <a:rPr lang="en-US" dirty="0"/>
-              <a:t>7/19/2024</a:t>
             </a:fld>
             <a:endParaRPr lang="en-US" dirty="0"/>
           </a:p>
@@ -7172,7 +6542,6 @@
           <a:p>
             <a:fld id="{6D22F896-40B5-4ADD-8801-0D06FADFA095}" type="slidenum">
               <a:rPr lang="en-US" dirty="0"/>
-              <a:t>‹#›</a:t>
             </a:fld>
             <a:endParaRPr lang="en-US" dirty="0"/>
           </a:p>
@@ -7246,6 +6615,7 @@
               <a:rPr lang="ru-RU"/>
               <a:t>Образец текста</a:t>
             </a:r>
+            <a:endParaRPr lang="ru-RU"/>
           </a:p>
           <a:p>
             <a:pPr lvl="1"/>
@@ -7253,6 +6623,7 @@
               <a:rPr lang="ru-RU"/>
               <a:t>Второй уровень</a:t>
             </a:r>
+            <a:endParaRPr lang="ru-RU"/>
           </a:p>
           <a:p>
             <a:pPr lvl="2"/>
@@ -7260,6 +6631,7 @@
               <a:rPr lang="ru-RU"/>
               <a:t>Третий уровень</a:t>
             </a:r>
+            <a:endParaRPr lang="ru-RU"/>
           </a:p>
           <a:p>
             <a:pPr lvl="3"/>
@@ -7267,6 +6639,7 @@
               <a:rPr lang="ru-RU"/>
               <a:t>Четвертый уровень</a:t>
             </a:r>
+            <a:endParaRPr lang="ru-RU"/>
           </a:p>
           <a:p>
             <a:pPr lvl="4"/>
@@ -7295,7 +6668,6 @@
           <a:p>
             <a:fld id="{48A87A34-81AB-432B-8DAE-1953F412C126}" type="datetimeFigureOut">
               <a:rPr lang="en-US" dirty="0"/>
-              <a:t>7/19/2024</a:t>
             </a:fld>
             <a:endParaRPr lang="en-US" dirty="0"/>
           </a:p>
@@ -7337,7 +6709,6 @@
           <a:p>
             <a:fld id="{6D22F896-40B5-4ADD-8801-0D06FADFA095}" type="slidenum">
               <a:rPr lang="en-US" dirty="0"/>
-              <a:t>‹#›</a:t>
             </a:fld>
             <a:endParaRPr lang="en-US" dirty="0"/>
           </a:p>
@@ -7520,6 +6891,7 @@
               <a:rPr lang="ru-RU"/>
               <a:t>Образец текста</a:t>
             </a:r>
+            <a:endParaRPr lang="ru-RU"/>
           </a:p>
         </p:txBody>
       </p:sp>
@@ -7540,7 +6912,6 @@
           <a:p>
             <a:fld id="{48A87A34-81AB-432B-8DAE-1953F412C126}" type="datetimeFigureOut">
               <a:rPr lang="en-US" dirty="0"/>
-              <a:t>7/19/2024</a:t>
             </a:fld>
             <a:endParaRPr lang="en-US" dirty="0"/>
           </a:p>
@@ -7582,7 +6953,6 @@
           <a:p>
             <a:fld id="{6D22F896-40B5-4ADD-8801-0D06FADFA095}" type="slidenum">
               <a:rPr lang="en-US" dirty="0"/>
-              <a:t>‹#›</a:t>
             </a:fld>
             <a:endParaRPr lang="en-US" dirty="0"/>
           </a:p>
@@ -7661,6 +7031,7 @@
               <a:rPr lang="ru-RU"/>
               <a:t>Образец текста</a:t>
             </a:r>
+            <a:endParaRPr lang="ru-RU"/>
           </a:p>
           <a:p>
             <a:pPr lvl="1"/>
@@ -7668,6 +7039,7 @@
               <a:rPr lang="ru-RU"/>
               <a:t>Второй уровень</a:t>
             </a:r>
+            <a:endParaRPr lang="ru-RU"/>
           </a:p>
           <a:p>
             <a:pPr lvl="2"/>
@@ -7675,6 +7047,7 @@
               <a:rPr lang="ru-RU"/>
               <a:t>Третий уровень</a:t>
             </a:r>
+            <a:endParaRPr lang="ru-RU"/>
           </a:p>
           <a:p>
             <a:pPr lvl="3"/>
@@ -7682,6 +7055,7 @@
               <a:rPr lang="ru-RU"/>
               <a:t>Четвертый уровень</a:t>
             </a:r>
+            <a:endParaRPr lang="ru-RU"/>
           </a:p>
           <a:p>
             <a:pPr lvl="4"/>
@@ -7718,6 +7092,7 @@
               <a:rPr lang="ru-RU"/>
               <a:t>Образец текста</a:t>
             </a:r>
+            <a:endParaRPr lang="ru-RU"/>
           </a:p>
           <a:p>
             <a:pPr lvl="1"/>
@@ -7725,6 +7100,7 @@
               <a:rPr lang="ru-RU"/>
               <a:t>Второй уровень</a:t>
             </a:r>
+            <a:endParaRPr lang="ru-RU"/>
           </a:p>
           <a:p>
             <a:pPr lvl="2"/>
@@ -7732,6 +7108,7 @@
               <a:rPr lang="ru-RU"/>
               <a:t>Третий уровень</a:t>
             </a:r>
+            <a:endParaRPr lang="ru-RU"/>
           </a:p>
           <a:p>
             <a:pPr lvl="3"/>
@@ -7739,6 +7116,7 @@
               <a:rPr lang="ru-RU"/>
               <a:t>Четвертый уровень</a:t>
             </a:r>
+            <a:endParaRPr lang="ru-RU"/>
           </a:p>
           <a:p>
             <a:pPr lvl="4"/>
@@ -7767,7 +7145,6 @@
           <a:p>
             <a:fld id="{48A87A34-81AB-432B-8DAE-1953F412C126}" type="datetimeFigureOut">
               <a:rPr lang="en-US" dirty="0"/>
-              <a:t>7/19/2024</a:t>
             </a:fld>
             <a:endParaRPr lang="en-US" dirty="0"/>
           </a:p>
@@ -7809,7 +7186,6 @@
           <a:p>
             <a:fld id="{6D22F896-40B5-4ADD-8801-0D06FADFA095}" type="slidenum">
               <a:rPr lang="en-US" dirty="0"/>
-              <a:t>‹#›</a:t>
             </a:fld>
             <a:endParaRPr lang="en-US" dirty="0"/>
           </a:p>
@@ -7937,6 +7313,7 @@
               <a:rPr lang="ru-RU"/>
               <a:t>Образец текста</a:t>
             </a:r>
+            <a:endParaRPr lang="ru-RU"/>
           </a:p>
         </p:txBody>
       </p:sp>
@@ -7965,6 +7342,7 @@
               <a:rPr lang="ru-RU"/>
               <a:t>Образец текста</a:t>
             </a:r>
+            <a:endParaRPr lang="ru-RU"/>
           </a:p>
           <a:p>
             <a:pPr lvl="1"/>
@@ -7972,6 +7350,7 @@
               <a:rPr lang="ru-RU"/>
               <a:t>Второй уровень</a:t>
             </a:r>
+            <a:endParaRPr lang="ru-RU"/>
           </a:p>
           <a:p>
             <a:pPr lvl="2"/>
@@ -7979,6 +7358,7 @@
               <a:rPr lang="ru-RU"/>
               <a:t>Третий уровень</a:t>
             </a:r>
+            <a:endParaRPr lang="ru-RU"/>
           </a:p>
           <a:p>
             <a:pPr lvl="3"/>
@@ -7986,6 +7366,7 @@
               <a:rPr lang="ru-RU"/>
               <a:t>Четвертый уровень</a:t>
             </a:r>
+            <a:endParaRPr lang="ru-RU"/>
           </a:p>
           <a:p>
             <a:pPr lvl="4"/>
@@ -8066,6 +7447,7 @@
               <a:rPr lang="ru-RU"/>
               <a:t>Образец текста</a:t>
             </a:r>
+            <a:endParaRPr lang="ru-RU"/>
           </a:p>
         </p:txBody>
       </p:sp>
@@ -8094,6 +7476,7 @@
               <a:rPr lang="ru-RU"/>
               <a:t>Образец текста</a:t>
             </a:r>
+            <a:endParaRPr lang="ru-RU"/>
           </a:p>
           <a:p>
             <a:pPr lvl="1"/>
@@ -8101,6 +7484,7 @@
               <a:rPr lang="ru-RU"/>
               <a:t>Второй уровень</a:t>
             </a:r>
+            <a:endParaRPr lang="ru-RU"/>
           </a:p>
           <a:p>
             <a:pPr lvl="2"/>
@@ -8108,6 +7492,7 @@
               <a:rPr lang="ru-RU"/>
               <a:t>Третий уровень</a:t>
             </a:r>
+            <a:endParaRPr lang="ru-RU"/>
           </a:p>
           <a:p>
             <a:pPr lvl="3"/>
@@ -8115,6 +7500,7 @@
               <a:rPr lang="ru-RU"/>
               <a:t>Четвертый уровень</a:t>
             </a:r>
+            <a:endParaRPr lang="ru-RU"/>
           </a:p>
           <a:p>
             <a:pPr lvl="4"/>
@@ -8143,7 +7529,6 @@
           <a:p>
             <a:fld id="{48A87A34-81AB-432B-8DAE-1953F412C126}" type="datetimeFigureOut">
               <a:rPr lang="en-US" dirty="0"/>
-              <a:t>7/19/2024</a:t>
             </a:fld>
             <a:endParaRPr lang="en-US" dirty="0"/>
           </a:p>
@@ -8185,7 +7570,6 @@
           <a:p>
             <a:fld id="{6D22F896-40B5-4ADD-8801-0D06FADFA095}" type="slidenum">
               <a:rPr lang="en-US" dirty="0"/>
-              <a:t>‹#›</a:t>
             </a:fld>
             <a:endParaRPr lang="en-US" dirty="0"/>
           </a:p>
@@ -8256,7 +7640,6 @@
           <a:p>
             <a:fld id="{48A87A34-81AB-432B-8DAE-1953F412C126}" type="datetimeFigureOut">
               <a:rPr lang="en-US" dirty="0"/>
-              <a:t>7/19/2024</a:t>
             </a:fld>
             <a:endParaRPr lang="en-US" dirty="0"/>
           </a:p>
@@ -8298,7 +7681,6 @@
           <a:p>
             <a:fld id="{6D22F896-40B5-4ADD-8801-0D06FADFA095}" type="slidenum">
               <a:rPr lang="en-US" dirty="0"/>
-              <a:t>‹#›</a:t>
             </a:fld>
             <a:endParaRPr lang="en-US" dirty="0"/>
           </a:p>
@@ -8346,7 +7728,6 @@
           <a:p>
             <a:fld id="{48A87A34-81AB-432B-8DAE-1953F412C126}" type="datetimeFigureOut">
               <a:rPr lang="en-US" dirty="0"/>
-              <a:t>7/19/2024</a:t>
             </a:fld>
             <a:endParaRPr lang="en-US" dirty="0"/>
           </a:p>
@@ -8388,7 +7769,6 @@
           <a:p>
             <a:fld id="{6D22F896-40B5-4ADD-8801-0D06FADFA095}" type="slidenum">
               <a:rPr lang="en-US" dirty="0"/>
-              <a:t>‹#›</a:t>
             </a:fld>
             <a:endParaRPr lang="en-US" dirty="0"/>
           </a:p>
@@ -8476,6 +7856,7 @@
               <a:rPr lang="ru-RU"/>
               <a:t>Образец текста</a:t>
             </a:r>
+            <a:endParaRPr lang="ru-RU"/>
           </a:p>
           <a:p>
             <a:pPr lvl="1"/>
@@ -8483,6 +7864,7 @@
               <a:rPr lang="ru-RU"/>
               <a:t>Второй уровень</a:t>
             </a:r>
+            <a:endParaRPr lang="ru-RU"/>
           </a:p>
           <a:p>
             <a:pPr lvl="2"/>
@@ -8490,6 +7872,7 @@
               <a:rPr lang="ru-RU"/>
               <a:t>Третий уровень</a:t>
             </a:r>
+            <a:endParaRPr lang="ru-RU"/>
           </a:p>
           <a:p>
             <a:pPr lvl="3"/>
@@ -8497,6 +7880,7 @@
               <a:rPr lang="ru-RU"/>
               <a:t>Четвертый уровень</a:t>
             </a:r>
+            <a:endParaRPr lang="ru-RU"/>
           </a:p>
           <a:p>
             <a:pPr lvl="4"/>
@@ -8570,6 +7954,7 @@
               <a:rPr lang="ru-RU"/>
               <a:t>Образец текста</a:t>
             </a:r>
+            <a:endParaRPr lang="ru-RU"/>
           </a:p>
         </p:txBody>
       </p:sp>
@@ -8590,7 +7975,6 @@
           <a:p>
             <a:fld id="{48A87A34-81AB-432B-8DAE-1953F412C126}" type="datetimeFigureOut">
               <a:rPr lang="en-US" dirty="0"/>
-              <a:t>7/19/2024</a:t>
             </a:fld>
             <a:endParaRPr lang="en-US" dirty="0"/>
           </a:p>
@@ -8632,7 +8016,6 @@
           <a:p>
             <a:fld id="{6D22F896-40B5-4ADD-8801-0D06FADFA095}" type="slidenum">
               <a:rPr lang="en-US" dirty="0"/>
-              <a:t>‹#›</a:t>
             </a:fld>
             <a:endParaRPr lang="en-US" dirty="0"/>
           </a:p>
@@ -8845,6 +8228,7 @@
               <a:rPr lang="ru-RU"/>
               <a:t>Образец текста</a:t>
             </a:r>
+            <a:endParaRPr lang="ru-RU"/>
           </a:p>
         </p:txBody>
       </p:sp>
@@ -8865,7 +8249,6 @@
           <a:p>
             <a:fld id="{48A87A34-81AB-432B-8DAE-1953F412C126}" type="datetimeFigureOut">
               <a:rPr lang="en-US" dirty="0"/>
-              <a:t>7/19/2024</a:t>
             </a:fld>
             <a:endParaRPr lang="en-US" dirty="0"/>
           </a:p>
@@ -8907,7 +8290,6 @@
           <a:p>
             <a:fld id="{6D22F896-40B5-4ADD-8801-0D06FADFA095}" type="slidenum">
               <a:rPr lang="en-US" dirty="0"/>
-              <a:t>‹#›</a:t>
             </a:fld>
             <a:endParaRPr lang="en-US" dirty="0"/>
           </a:p>
@@ -8952,7 +8334,7 @@
           <p:nvPr/>
         </p:nvPicPr>
         <p:blipFill>
-          <a:blip r:embed="rId19">
+          <a:blip r:embed="rId18">
             <a:alphaModFix amt="30000"/>
             <a:duotone>
               <a:prstClr val="black"/>
@@ -8981,15 +8363,6 @@
             <a:avLst/>
           </a:prstGeom>
           <a:noFill/>
-          <a:extLst>
-            <a:ext uri="{909E8E84-426E-40dd-AFC4-6F175D3DCCD1}">
-              <a14:hiddenFill xmlns:a14="http://schemas.microsoft.com/office/drawing/2010/main" xmlns="">
-                <a:solidFill>
-                  <a:srgbClr val="FFFFFF"/>
-                </a:solidFill>
-              </a14:hiddenFill>
-            </a:ext>
-          </a:extLst>
         </p:spPr>
       </p:pic>
       <p:grpSp>
@@ -9055,18 +8428,6 @@
               <a:ln>
                 <a:noFill/>
               </a:ln>
-              <a:extLst>
-                <a:ext uri="{91240B29-F687-4f45-9708-019B960494DF}">
-                  <a14:hiddenLine xmlns:a14="http://schemas.microsoft.com/office/drawing/2010/main" xmlns="" w="9525">
-                    <a:solidFill>
-                      <a:srgbClr val="000000"/>
-                    </a:solidFill>
-                    <a:miter lim="800000"/>
-                    <a:headEnd/>
-                    <a:tailEnd/>
-                  </a14:hiddenLine>
-                </a:ext>
-              </a:extLst>
             </p:spPr>
           </p:sp>
           <p:sp>
@@ -9145,18 +8506,6 @@
               <a:ln>
                 <a:noFill/>
               </a:ln>
-              <a:extLst>
-                <a:ext uri="{91240B29-F687-4f45-9708-019B960494DF}">
-                  <a14:hiddenLine xmlns:a14="http://schemas.microsoft.com/office/drawing/2010/main" xmlns="" w="9525">
-                    <a:solidFill>
-                      <a:srgbClr val="000000"/>
-                    </a:solidFill>
-                    <a:round/>
-                    <a:headEnd/>
-                    <a:tailEnd/>
-                  </a14:hiddenLine>
-                </a:ext>
-              </a:extLst>
             </p:spPr>
           </p:sp>
           <p:sp>
@@ -9235,18 +8584,6 @@
               <a:ln>
                 <a:noFill/>
               </a:ln>
-              <a:extLst>
-                <a:ext uri="{91240B29-F687-4f45-9708-019B960494DF}">
-                  <a14:hiddenLine xmlns:a14="http://schemas.microsoft.com/office/drawing/2010/main" xmlns="" w="9525">
-                    <a:solidFill>
-                      <a:srgbClr val="000000"/>
-                    </a:solidFill>
-                    <a:round/>
-                    <a:headEnd/>
-                    <a:tailEnd/>
-                  </a14:hiddenLine>
-                </a:ext>
-              </a:extLst>
             </p:spPr>
           </p:sp>
           <p:sp>
@@ -9297,18 +8634,6 @@
               <a:ln>
                 <a:noFill/>
               </a:ln>
-              <a:extLst>
-                <a:ext uri="{91240B29-F687-4f45-9708-019B960494DF}">
-                  <a14:hiddenLine xmlns:a14="http://schemas.microsoft.com/office/drawing/2010/main" xmlns="" w="9525">
-                    <a:solidFill>
-                      <a:srgbClr val="000000"/>
-                    </a:solidFill>
-                    <a:round/>
-                    <a:headEnd/>
-                    <a:tailEnd/>
-                  </a14:hiddenLine>
-                </a:ext>
-              </a:extLst>
             </p:spPr>
           </p:sp>
           <p:sp>
@@ -9387,18 +8712,6 @@
               <a:ln>
                 <a:noFill/>
               </a:ln>
-              <a:extLst>
-                <a:ext uri="{91240B29-F687-4f45-9708-019B960494DF}">
-                  <a14:hiddenLine xmlns:a14="http://schemas.microsoft.com/office/drawing/2010/main" xmlns="" w="9525">
-                    <a:solidFill>
-                      <a:srgbClr val="000000"/>
-                    </a:solidFill>
-                    <a:round/>
-                    <a:headEnd/>
-                    <a:tailEnd/>
-                  </a14:hiddenLine>
-                </a:ext>
-              </a:extLst>
             </p:spPr>
           </p:sp>
           <p:sp>
@@ -9449,18 +8762,6 @@
               <a:ln>
                 <a:noFill/>
               </a:ln>
-              <a:extLst>
-                <a:ext uri="{91240B29-F687-4f45-9708-019B960494DF}">
-                  <a14:hiddenLine xmlns:a14="http://schemas.microsoft.com/office/drawing/2010/main" xmlns="" w="9525">
-                    <a:solidFill>
-                      <a:srgbClr val="000000"/>
-                    </a:solidFill>
-                    <a:round/>
-                    <a:headEnd/>
-                    <a:tailEnd/>
-                  </a14:hiddenLine>
-                </a:ext>
-              </a:extLst>
             </p:spPr>
           </p:sp>
           <p:sp>
@@ -9511,18 +8812,6 @@
               <a:ln>
                 <a:noFill/>
               </a:ln>
-              <a:extLst>
-                <a:ext uri="{91240B29-F687-4f45-9708-019B960494DF}">
-                  <a14:hiddenLine xmlns:a14="http://schemas.microsoft.com/office/drawing/2010/main" xmlns="" w="9525">
-                    <a:solidFill>
-                      <a:srgbClr val="000000"/>
-                    </a:solidFill>
-                    <a:round/>
-                    <a:headEnd/>
-                    <a:tailEnd/>
-                  </a14:hiddenLine>
-                </a:ext>
-              </a:extLst>
             </p:spPr>
           </p:sp>
           <p:sp>
@@ -9601,18 +8890,6 @@
               <a:ln>
                 <a:noFill/>
               </a:ln>
-              <a:extLst>
-                <a:ext uri="{91240B29-F687-4f45-9708-019B960494DF}">
-                  <a14:hiddenLine xmlns:a14="http://schemas.microsoft.com/office/drawing/2010/main" xmlns="" w="9525">
-                    <a:solidFill>
-                      <a:srgbClr val="000000"/>
-                    </a:solidFill>
-                    <a:round/>
-                    <a:headEnd/>
-                    <a:tailEnd/>
-                  </a14:hiddenLine>
-                </a:ext>
-              </a:extLst>
             </p:spPr>
           </p:sp>
           <p:sp>
@@ -9691,18 +8968,6 @@
               <a:ln>
                 <a:noFill/>
               </a:ln>
-              <a:extLst>
-                <a:ext uri="{91240B29-F687-4f45-9708-019B960494DF}">
-                  <a14:hiddenLine xmlns:a14="http://schemas.microsoft.com/office/drawing/2010/main" xmlns="" w="9525">
-                    <a:solidFill>
-                      <a:srgbClr val="000000"/>
-                    </a:solidFill>
-                    <a:round/>
-                    <a:headEnd/>
-                    <a:tailEnd/>
-                  </a14:hiddenLine>
-                </a:ext>
-              </a:extLst>
             </p:spPr>
           </p:sp>
           <p:sp>
@@ -9753,18 +9018,6 @@
               <a:ln>
                 <a:noFill/>
               </a:ln>
-              <a:extLst>
-                <a:ext uri="{91240B29-F687-4f45-9708-019B960494DF}">
-                  <a14:hiddenLine xmlns:a14="http://schemas.microsoft.com/office/drawing/2010/main" xmlns="" w="9525">
-                    <a:solidFill>
-                      <a:srgbClr val="000000"/>
-                    </a:solidFill>
-                    <a:round/>
-                    <a:headEnd/>
-                    <a:tailEnd/>
-                  </a14:hiddenLine>
-                </a:ext>
-              </a:extLst>
             </p:spPr>
           </p:sp>
           <p:sp>
@@ -9863,18 +9116,6 @@
               <a:ln>
                 <a:noFill/>
               </a:ln>
-              <a:extLst>
-                <a:ext uri="{91240B29-F687-4f45-9708-019B960494DF}">
-                  <a14:hiddenLine xmlns:a14="http://schemas.microsoft.com/office/drawing/2010/main" xmlns="" w="9525">
-                    <a:solidFill>
-                      <a:srgbClr val="000000"/>
-                    </a:solidFill>
-                    <a:round/>
-                    <a:headEnd/>
-                    <a:tailEnd/>
-                  </a14:hiddenLine>
-                </a:ext>
-              </a:extLst>
             </p:spPr>
           </p:sp>
           <p:sp>
@@ -9900,8 +9141,6 @@
                 </a:solidFill>
                 <a:prstDash val="solid"/>
                 <a:miter lim="800000"/>
-                <a:headEnd/>
-                <a:tailEnd/>
               </a:ln>
             </p:spPr>
           </p:sp>
@@ -9947,18 +9186,6 @@
               <a:ln>
                 <a:noFill/>
               </a:ln>
-              <a:extLst>
-                <a:ext uri="{91240B29-F687-4f45-9708-019B960494DF}">
-                  <a14:hiddenLine xmlns:a14="http://schemas.microsoft.com/office/drawing/2010/main" xmlns="" w="9525">
-                    <a:solidFill>
-                      <a:srgbClr val="000000"/>
-                    </a:solidFill>
-                    <a:round/>
-                    <a:headEnd/>
-                    <a:tailEnd/>
-                  </a14:hiddenLine>
-                </a:ext>
-              </a:extLst>
             </p:spPr>
           </p:sp>
           <p:sp>
@@ -10009,18 +9236,6 @@
               <a:ln>
                 <a:noFill/>
               </a:ln>
-              <a:extLst>
-                <a:ext uri="{91240B29-F687-4f45-9708-019B960494DF}">
-                  <a14:hiddenLine xmlns:a14="http://schemas.microsoft.com/office/drawing/2010/main" xmlns="" w="9525">
-                    <a:solidFill>
-                      <a:srgbClr val="000000"/>
-                    </a:solidFill>
-                    <a:round/>
-                    <a:headEnd/>
-                    <a:tailEnd/>
-                  </a14:hiddenLine>
-                </a:ext>
-              </a:extLst>
             </p:spPr>
           </p:sp>
           <p:sp>
@@ -10071,18 +9286,6 @@
               <a:ln>
                 <a:noFill/>
               </a:ln>
-              <a:extLst>
-                <a:ext uri="{91240B29-F687-4f45-9708-019B960494DF}">
-                  <a14:hiddenLine xmlns:a14="http://schemas.microsoft.com/office/drawing/2010/main" xmlns="" w="9525">
-                    <a:solidFill>
-                      <a:srgbClr val="000000"/>
-                    </a:solidFill>
-                    <a:round/>
-                    <a:headEnd/>
-                    <a:tailEnd/>
-                  </a14:hiddenLine>
-                </a:ext>
-              </a:extLst>
             </p:spPr>
           </p:sp>
           <p:sp>
@@ -10161,18 +9364,6 @@
               <a:ln>
                 <a:noFill/>
               </a:ln>
-              <a:extLst>
-                <a:ext uri="{91240B29-F687-4f45-9708-019B960494DF}">
-                  <a14:hiddenLine xmlns:a14="http://schemas.microsoft.com/office/drawing/2010/main" xmlns="" w="9525">
-                    <a:solidFill>
-                      <a:srgbClr val="000000"/>
-                    </a:solidFill>
-                    <a:round/>
-                    <a:headEnd/>
-                    <a:tailEnd/>
-                  </a14:hiddenLine>
-                </a:ext>
-              </a:extLst>
             </p:spPr>
           </p:sp>
           <p:sp>
@@ -10195,18 +9386,6 @@
               <a:ln>
                 <a:noFill/>
               </a:ln>
-              <a:extLst>
-                <a:ext uri="{91240B29-F687-4f45-9708-019B960494DF}">
-                  <a14:hiddenLine xmlns:a14="http://schemas.microsoft.com/office/drawing/2010/main" xmlns="" w="9525">
-                    <a:solidFill>
-                      <a:srgbClr val="000000"/>
-                    </a:solidFill>
-                    <a:miter lim="800000"/>
-                    <a:headEnd/>
-                    <a:tailEnd/>
-                  </a14:hiddenLine>
-                </a:ext>
-              </a:extLst>
             </p:spPr>
           </p:sp>
           <p:sp>
@@ -10260,18 +9439,6 @@
               <a:ln>
                 <a:noFill/>
               </a:ln>
-              <a:extLst>
-                <a:ext uri="{91240B29-F687-4f45-9708-019B960494DF}">
-                  <a14:hiddenLine xmlns:a14="http://schemas.microsoft.com/office/drawing/2010/main" xmlns="" w="9525">
-                    <a:solidFill>
-                      <a:srgbClr val="000000"/>
-                    </a:solidFill>
-                    <a:round/>
-                    <a:headEnd/>
-                    <a:tailEnd/>
-                  </a14:hiddenLine>
-                </a:ext>
-              </a:extLst>
             </p:spPr>
           </p:sp>
           <p:sp>
@@ -10350,18 +9517,6 @@
               <a:ln>
                 <a:noFill/>
               </a:ln>
-              <a:extLst>
-                <a:ext uri="{91240B29-F687-4f45-9708-019B960494DF}">
-                  <a14:hiddenLine xmlns:a14="http://schemas.microsoft.com/office/drawing/2010/main" xmlns="" w="9525">
-                    <a:solidFill>
-                      <a:srgbClr val="000000"/>
-                    </a:solidFill>
-                    <a:round/>
-                    <a:headEnd/>
-                    <a:tailEnd/>
-                  </a14:hiddenLine>
-                </a:ext>
-              </a:extLst>
             </p:spPr>
           </p:sp>
           <p:sp>
@@ -10412,18 +9567,6 @@
               <a:ln>
                 <a:noFill/>
               </a:ln>
-              <a:extLst>
-                <a:ext uri="{91240B29-F687-4f45-9708-019B960494DF}">
-                  <a14:hiddenLine xmlns:a14="http://schemas.microsoft.com/office/drawing/2010/main" xmlns="" w="9525">
-                    <a:solidFill>
-                      <a:srgbClr val="000000"/>
-                    </a:solidFill>
-                    <a:round/>
-                    <a:headEnd/>
-                    <a:tailEnd/>
-                  </a14:hiddenLine>
-                </a:ext>
-              </a:extLst>
             </p:spPr>
           </p:sp>
           <p:sp>
@@ -10502,18 +9645,6 @@
               <a:ln>
                 <a:noFill/>
               </a:ln>
-              <a:extLst>
-                <a:ext uri="{91240B29-F687-4f45-9708-019B960494DF}">
-                  <a14:hiddenLine xmlns:a14="http://schemas.microsoft.com/office/drawing/2010/main" xmlns="" w="9525">
-                    <a:solidFill>
-                      <a:srgbClr val="000000"/>
-                    </a:solidFill>
-                    <a:round/>
-                    <a:headEnd/>
-                    <a:tailEnd/>
-                  </a14:hiddenLine>
-                </a:ext>
-              </a:extLst>
             </p:spPr>
           </p:sp>
           <p:sp>
@@ -10567,18 +9698,6 @@
               <a:ln>
                 <a:noFill/>
               </a:ln>
-              <a:extLst>
-                <a:ext uri="{91240B29-F687-4f45-9708-019B960494DF}">
-                  <a14:hiddenLine xmlns:a14="http://schemas.microsoft.com/office/drawing/2010/main" xmlns="" w="9525">
-                    <a:solidFill>
-                      <a:srgbClr val="000000"/>
-                    </a:solidFill>
-                    <a:round/>
-                    <a:headEnd/>
-                    <a:tailEnd/>
-                  </a14:hiddenLine>
-                </a:ext>
-              </a:extLst>
             </p:spPr>
           </p:sp>
           <p:sp>
@@ -10629,18 +9748,6 @@
               <a:ln>
                 <a:noFill/>
               </a:ln>
-              <a:extLst>
-                <a:ext uri="{91240B29-F687-4f45-9708-019B960494DF}">
-                  <a14:hiddenLine xmlns:a14="http://schemas.microsoft.com/office/drawing/2010/main" xmlns="" w="9525">
-                    <a:solidFill>
-                      <a:srgbClr val="000000"/>
-                    </a:solidFill>
-                    <a:round/>
-                    <a:headEnd/>
-                    <a:tailEnd/>
-                  </a14:hiddenLine>
-                </a:ext>
-              </a:extLst>
             </p:spPr>
           </p:sp>
           <p:sp>
@@ -10719,18 +9826,6 @@
               <a:ln>
                 <a:noFill/>
               </a:ln>
-              <a:extLst>
-                <a:ext uri="{91240B29-F687-4f45-9708-019B960494DF}">
-                  <a14:hiddenLine xmlns:a14="http://schemas.microsoft.com/office/drawing/2010/main" xmlns="" w="9525">
-                    <a:solidFill>
-                      <a:srgbClr val="000000"/>
-                    </a:solidFill>
-                    <a:round/>
-                    <a:headEnd/>
-                    <a:tailEnd/>
-                  </a14:hiddenLine>
-                </a:ext>
-              </a:extLst>
             </p:spPr>
           </p:sp>
           <p:sp>
@@ -10809,18 +9904,6 @@
               <a:ln>
                 <a:noFill/>
               </a:ln>
-              <a:extLst>
-                <a:ext uri="{91240B29-F687-4f45-9708-019B960494DF}">
-                  <a14:hiddenLine xmlns:a14="http://schemas.microsoft.com/office/drawing/2010/main" xmlns="" w="9525">
-                    <a:solidFill>
-                      <a:srgbClr val="000000"/>
-                    </a:solidFill>
-                    <a:round/>
-                    <a:headEnd/>
-                    <a:tailEnd/>
-                  </a14:hiddenLine>
-                </a:ext>
-              </a:extLst>
             </p:spPr>
           </p:sp>
           <p:sp>
@@ -10874,18 +9957,6 @@
               <a:ln>
                 <a:noFill/>
               </a:ln>
-              <a:extLst>
-                <a:ext uri="{91240B29-F687-4f45-9708-019B960494DF}">
-                  <a14:hiddenLine xmlns:a14="http://schemas.microsoft.com/office/drawing/2010/main" xmlns="" w="9525">
-                    <a:solidFill>
-                      <a:srgbClr val="000000"/>
-                    </a:solidFill>
-                    <a:round/>
-                    <a:headEnd/>
-                    <a:tailEnd/>
-                  </a14:hiddenLine>
-                </a:ext>
-              </a:extLst>
             </p:spPr>
           </p:sp>
           <p:sp>
@@ -10994,18 +10065,6 @@
               <a:ln>
                 <a:noFill/>
               </a:ln>
-              <a:extLst>
-                <a:ext uri="{91240B29-F687-4f45-9708-019B960494DF}">
-                  <a14:hiddenLine xmlns:a14="http://schemas.microsoft.com/office/drawing/2010/main" xmlns="" w="9525">
-                    <a:solidFill>
-                      <a:srgbClr val="000000"/>
-                    </a:solidFill>
-                    <a:round/>
-                    <a:headEnd/>
-                    <a:tailEnd/>
-                  </a14:hiddenLine>
-                </a:ext>
-              </a:extLst>
             </p:spPr>
           </p:sp>
         </p:grpSp>
@@ -11075,18 +10134,6 @@
               <a:ln>
                 <a:noFill/>
               </a:ln>
-              <a:extLst>
-                <a:ext uri="{91240B29-F687-4f45-9708-019B960494DF}">
-                  <a14:hiddenLine xmlns:a14="http://schemas.microsoft.com/office/drawing/2010/main" xmlns="" w="9525">
-                    <a:solidFill>
-                      <a:srgbClr val="000000"/>
-                    </a:solidFill>
-                    <a:round/>
-                    <a:headEnd/>
-                    <a:tailEnd/>
-                  </a14:hiddenLine>
-                </a:ext>
-              </a:extLst>
             </p:spPr>
           </p:sp>
           <p:sp>
@@ -11190,18 +10237,6 @@
               <a:ln>
                 <a:noFill/>
               </a:ln>
-              <a:extLst>
-                <a:ext uri="{91240B29-F687-4f45-9708-019B960494DF}">
-                  <a14:hiddenLine xmlns:a14="http://schemas.microsoft.com/office/drawing/2010/main" xmlns="" w="9525">
-                    <a:solidFill>
-                      <a:srgbClr val="000000"/>
-                    </a:solidFill>
-                    <a:round/>
-                    <a:headEnd/>
-                    <a:tailEnd/>
-                  </a14:hiddenLine>
-                </a:ext>
-              </a:extLst>
             </p:spPr>
           </p:sp>
           <p:sp>
@@ -11280,18 +10315,6 @@
               <a:ln>
                 <a:noFill/>
               </a:ln>
-              <a:extLst>
-                <a:ext uri="{91240B29-F687-4f45-9708-019B960494DF}">
-                  <a14:hiddenLine xmlns:a14="http://schemas.microsoft.com/office/drawing/2010/main" xmlns="" w="9525">
-                    <a:solidFill>
-                      <a:srgbClr val="000000"/>
-                    </a:solidFill>
-                    <a:round/>
-                    <a:headEnd/>
-                    <a:tailEnd/>
-                  </a14:hiddenLine>
-                </a:ext>
-              </a:extLst>
             </p:spPr>
           </p:sp>
           <p:sp>
@@ -11345,18 +10368,6 @@
               <a:ln>
                 <a:noFill/>
               </a:ln>
-              <a:extLst>
-                <a:ext uri="{91240B29-F687-4f45-9708-019B960494DF}">
-                  <a14:hiddenLine xmlns:a14="http://schemas.microsoft.com/office/drawing/2010/main" xmlns="" w="9525">
-                    <a:solidFill>
-                      <a:srgbClr val="000000"/>
-                    </a:solidFill>
-                    <a:round/>
-                    <a:headEnd/>
-                    <a:tailEnd/>
-                  </a14:hiddenLine>
-                </a:ext>
-              </a:extLst>
             </p:spPr>
           </p:sp>
           <p:sp>
@@ -11435,18 +10446,6 @@
               <a:ln>
                 <a:noFill/>
               </a:ln>
-              <a:extLst>
-                <a:ext uri="{91240B29-F687-4f45-9708-019B960494DF}">
-                  <a14:hiddenLine xmlns:a14="http://schemas.microsoft.com/office/drawing/2010/main" xmlns="" w="9525">
-                    <a:solidFill>
-                      <a:srgbClr val="000000"/>
-                    </a:solidFill>
-                    <a:round/>
-                    <a:headEnd/>
-                    <a:tailEnd/>
-                  </a14:hiddenLine>
-                </a:ext>
-              </a:extLst>
             </p:spPr>
           </p:sp>
           <p:sp>
@@ -11503,18 +10502,6 @@
               <a:ln>
                 <a:noFill/>
               </a:ln>
-              <a:extLst>
-                <a:ext uri="{91240B29-F687-4f45-9708-019B960494DF}">
-                  <a14:hiddenLine xmlns:a14="http://schemas.microsoft.com/office/drawing/2010/main" xmlns="" w="9525">
-                    <a:solidFill>
-                      <a:srgbClr val="000000"/>
-                    </a:solidFill>
-                    <a:round/>
-                    <a:headEnd/>
-                    <a:tailEnd/>
-                  </a14:hiddenLine>
-                </a:ext>
-              </a:extLst>
             </p:spPr>
           </p:sp>
           <p:sp>
@@ -11593,18 +10580,6 @@
               <a:ln>
                 <a:noFill/>
               </a:ln>
-              <a:extLst>
-                <a:ext uri="{91240B29-F687-4f45-9708-019B960494DF}">
-                  <a14:hiddenLine xmlns:a14="http://schemas.microsoft.com/office/drawing/2010/main" xmlns="" w="9525">
-                    <a:solidFill>
-                      <a:srgbClr val="000000"/>
-                    </a:solidFill>
-                    <a:round/>
-                    <a:headEnd/>
-                    <a:tailEnd/>
-                  </a14:hiddenLine>
-                </a:ext>
-              </a:extLst>
             </p:spPr>
           </p:sp>
           <p:sp>
@@ -11661,18 +10636,6 @@
               <a:ln>
                 <a:noFill/>
               </a:ln>
-              <a:extLst>
-                <a:ext uri="{91240B29-F687-4f45-9708-019B960494DF}">
-                  <a14:hiddenLine xmlns:a14="http://schemas.microsoft.com/office/drawing/2010/main" xmlns="" w="9525">
-                    <a:solidFill>
-                      <a:srgbClr val="000000"/>
-                    </a:solidFill>
-                    <a:round/>
-                    <a:headEnd/>
-                    <a:tailEnd/>
-                  </a14:hiddenLine>
-                </a:ext>
-              </a:extLst>
             </p:spPr>
           </p:sp>
           <p:sp>
@@ -11751,18 +10714,6 @@
               <a:ln>
                 <a:noFill/>
               </a:ln>
-              <a:extLst>
-                <a:ext uri="{91240B29-F687-4f45-9708-019B960494DF}">
-                  <a14:hiddenLine xmlns:a14="http://schemas.microsoft.com/office/drawing/2010/main" xmlns="" w="9525">
-                    <a:solidFill>
-                      <a:srgbClr val="000000"/>
-                    </a:solidFill>
-                    <a:round/>
-                    <a:headEnd/>
-                    <a:tailEnd/>
-                  </a14:hiddenLine>
-                </a:ext>
-              </a:extLst>
             </p:spPr>
           </p:sp>
           <p:sp>
@@ -11785,18 +10736,6 @@
               <a:ln>
                 <a:noFill/>
               </a:ln>
-              <a:extLst>
-                <a:ext uri="{91240B29-F687-4f45-9708-019B960494DF}">
-                  <a14:hiddenLine xmlns:a14="http://schemas.microsoft.com/office/drawing/2010/main" xmlns="" w="9525">
-                    <a:solidFill>
-                      <a:srgbClr val="000000"/>
-                    </a:solidFill>
-                    <a:miter lim="800000"/>
-                    <a:headEnd/>
-                    <a:tailEnd/>
-                  </a14:hiddenLine>
-                </a:ext>
-              </a:extLst>
             </p:spPr>
           </p:sp>
         </p:grpSp>
@@ -11860,6 +10799,7 @@
               <a:rPr lang="ru-RU"/>
               <a:t>Образец текста</a:t>
             </a:r>
+            <a:endParaRPr lang="ru-RU"/>
           </a:p>
           <a:p>
             <a:pPr lvl="1"/>
@@ -11867,6 +10807,7 @@
               <a:rPr lang="ru-RU"/>
               <a:t>Второй уровень</a:t>
             </a:r>
+            <a:endParaRPr lang="ru-RU"/>
           </a:p>
           <a:p>
             <a:pPr lvl="2"/>
@@ -11874,6 +10815,7 @@
               <a:rPr lang="ru-RU"/>
               <a:t>Третий уровень</a:t>
             </a:r>
+            <a:endParaRPr lang="ru-RU"/>
           </a:p>
           <a:p>
             <a:pPr lvl="3"/>
@@ -11881,6 +10823,7 @@
               <a:rPr lang="ru-RU"/>
               <a:t>Четвертый уровень</a:t>
             </a:r>
+            <a:endParaRPr lang="ru-RU"/>
           </a:p>
           <a:p>
             <a:pPr lvl="4"/>
@@ -11927,8 +10870,6 @@
           <a:p>
             <a:fld id="{48A87A34-81AB-432B-8DAE-1953F412C126}" type="datetimeFigureOut">
               <a:rPr lang="en-US" dirty="0"/>
-              <a:pPr/>
-              <a:t>7/19/2024</a:t>
             </a:fld>
             <a:endParaRPr lang="en-US" dirty="0"/>
           </a:p>
@@ -12006,8 +10947,6 @@
           <a:p>
             <a:fld id="{6D22F896-40B5-4ADD-8801-0D06FADFA095}" type="slidenum">
               <a:rPr lang="en-US" dirty="0"/>
-              <a:pPr/>
-              <a:t>‹#›</a:t>
             </a:fld>
             <a:endParaRPr lang="en-US" dirty="0"/>
           </a:p>
@@ -12026,14 +10965,14 @@
     <p:sldLayoutId id="2147483655" r:id="rId7"/>
     <p:sldLayoutId id="2147483656" r:id="rId8"/>
     <p:sldLayoutId id="2147483657" r:id="rId9"/>
-    <p:sldLayoutId id="2147483660" r:id="rId10"/>
-    <p:sldLayoutId id="2147483661" r:id="rId11"/>
-    <p:sldLayoutId id="2147483666" r:id="rId12"/>
-    <p:sldLayoutId id="2147483663" r:id="rId13"/>
-    <p:sldLayoutId id="2147483667" r:id="rId14"/>
-    <p:sldLayoutId id="2147483668" r:id="rId15"/>
-    <p:sldLayoutId id="2147483658" r:id="rId16"/>
-    <p:sldLayoutId id="2147483659" r:id="rId17"/>
+    <p:sldLayoutId id="2147483658" r:id="rId10"/>
+    <p:sldLayoutId id="2147483659" r:id="rId11"/>
+    <p:sldLayoutId id="2147483660" r:id="rId12"/>
+    <p:sldLayoutId id="2147483661" r:id="rId13"/>
+    <p:sldLayoutId id="2147483662" r:id="rId14"/>
+    <p:sldLayoutId id="2147483663" r:id="rId15"/>
+    <p:sldLayoutId id="2147483664" r:id="rId16"/>
+    <p:sldLayoutId id="2147483665" r:id="rId17"/>
   </p:sldLayoutIdLst>
   <p:txStyles>
     <p:titleStyle>
@@ -12346,13 +11285,7 @@
       </p:grpSpPr>
       <p:sp>
         <p:nvSpPr>
-          <p:cNvPr id="2" name="Заголовок 1">
-            <a:extLst>
-              <a:ext uri="{FF2B5EF4-FFF2-40B4-BE49-F238E27FC236}">
-                <a16:creationId xmlns:a16="http://schemas.microsoft.com/office/drawing/2014/main" id="{8CB8CDCD-B83B-4A6C-A5F0-B9AEFF105C4A}"/>
-              </a:ext>
-            </a:extLst>
-          </p:cNvPr>
+          <p:cNvPr id="2" name="Заголовок 1"/>
           <p:cNvSpPr>
             <a:spLocks noGrp="1"/>
           </p:cNvSpPr>
@@ -12360,37 +11293,37 @@
             <p:ph type="ctrTitle"/>
           </p:nvPr>
         </p:nvSpPr>
-        <p:spPr/>
+        <p:spPr>
+          <a:xfrm>
+            <a:off x="1876424" y="1994218"/>
+            <a:ext cx="8791575" cy="2387600"/>
+          </a:xfrm>
+        </p:spPr>
         <p:txBody>
           <a:bodyPr>
-            <a:normAutofit fontScale="90000"/>
+            <a:noAutofit/>
           </a:bodyPr>
           <a:lstStyle/>
           <a:p>
             <a:r>
-              <a:rPr lang="ru-RU" dirty="0"/>
+              <a:rPr lang="ru-RU" sz="3600" dirty="0"/>
               <a:t>ПРИЛОЖЕНИЕ ДЛЯ ШИФРОВАНИЯ И РАСШИФРОВАНИЯ ШТФРОМ </a:t>
             </a:r>
             <a:r>
-              <a:rPr lang="ru-RU" dirty="0" err="1"/>
+              <a:rPr lang="ru-RU" sz="3600" dirty="0" err="1"/>
               <a:t>Атбаш</a:t>
             </a:r>
             <a:r>
-              <a:rPr lang="ru-RU" dirty="0"/>
+              <a:rPr lang="ru-RU" sz="3600" dirty="0"/>
               <a:t>.</a:t>
             </a:r>
-          </a:p>
-        </p:txBody>
-      </p:sp>
-      <p:sp>
-        <p:nvSpPr>
-          <p:cNvPr id="3" name="Подзаголовок 2">
-            <a:extLst>
-              <a:ext uri="{FF2B5EF4-FFF2-40B4-BE49-F238E27FC236}">
-                <a16:creationId xmlns:a16="http://schemas.microsoft.com/office/drawing/2014/main" id="{599222BC-607E-44FE-8FFB-D79B1417EC03}"/>
-              </a:ext>
-            </a:extLst>
-          </p:cNvPr>
+            <a:endParaRPr lang="ru-RU" sz="3600" dirty="0"/>
+          </a:p>
+        </p:txBody>
+      </p:sp>
+      <p:sp>
+        <p:nvSpPr>
+          <p:cNvPr id="3" name="Подзаголовок 2"/>
           <p:cNvSpPr>
             <a:spLocks noGrp="1"/>
           </p:cNvSpPr>
@@ -12400,7 +11333,7 @@
         </p:nvSpPr>
         <p:spPr>
           <a:xfrm>
-            <a:off x="1876424" y="3602038"/>
+            <a:off x="1838959" y="4237673"/>
             <a:ext cx="8893175" cy="636133"/>
           </a:xfrm>
         </p:spPr>
@@ -12421,6 +11354,16 @@
               </a:rPr>
               <a:t>Автор: Афонин Андрей</a:t>
             </a:r>
+            <a:endParaRPr lang="ru-RU" dirty="0">
+              <a:solidFill>
+                <a:schemeClr val="accent1">
+                  <a:lumMod val="60000"/>
+                  <a:lumOff val="40000"/>
+                </a:schemeClr>
+              </a:solidFill>
+              <a:latin typeface="Artifakt Element Black" panose="020B0A03050000020004" pitchFamily="34" charset="-52"/>
+              <a:ea typeface="Artifakt Element Black" panose="020B0A03050000020004" pitchFamily="34" charset="-52"/>
+            </a:endParaRPr>
           </a:p>
           <a:p>
             <a:endParaRPr lang="ru-RU" dirty="0"/>
@@ -12429,19 +11372,13 @@
       </p:sp>
       <p:sp>
         <p:nvSpPr>
-          <p:cNvPr id="4" name="TextBox 3">
-            <a:extLst>
-              <a:ext uri="{FF2B5EF4-FFF2-40B4-BE49-F238E27FC236}">
-                <a16:creationId xmlns:a16="http://schemas.microsoft.com/office/drawing/2014/main" id="{18703795-BE29-4881-BB53-7F8D0F1BBB74}"/>
-              </a:ext>
-            </a:extLst>
-          </p:cNvPr>
+          <p:cNvPr id="4" name="TextBox 3"/>
           <p:cNvSpPr txBox="1"/>
           <p:nvPr/>
         </p:nvSpPr>
         <p:spPr>
           <a:xfrm>
-            <a:off x="1876424" y="1673981"/>
+            <a:off x="1876424" y="1579366"/>
             <a:ext cx="8855450" cy="523220"/>
           </a:xfrm>
           <a:prstGeom prst="rect">
@@ -12495,11 +11432,840 @@
         </p:txBody>
       </p:sp>
     </p:spTree>
-    <p:extLst>
-      <p:ext uri="{BB962C8B-B14F-4D97-AF65-F5344CB8AC3E}">
-        <p14:creationId xmlns:p14="http://schemas.microsoft.com/office/powerpoint/2010/main" val="505652333"/>
-      </p:ext>
-    </p:extLst>
+  </p:cSld>
+  <p:clrMapOvr>
+    <a:masterClrMapping/>
+  </p:clrMapOvr>
+</p:sld>
+</file>
+
+<file path=ppt/slides/slide10.xml><?xml version="1.0" encoding="utf-8"?>
+<p:sld xmlns:a="http://schemas.openxmlformats.org/drawingml/2006/main" xmlns:r="http://schemas.openxmlformats.org/officeDocument/2006/relationships" xmlns:p="http://schemas.openxmlformats.org/presentationml/2006/main">
+  <p:cSld>
+    <p:spTree>
+      <p:nvGrpSpPr>
+        <p:cNvPr id="1" name=""/>
+        <p:cNvGrpSpPr/>
+        <p:nvPr/>
+      </p:nvGrpSpPr>
+      <p:grpSpPr/>
+      <p:sp>
+        <p:nvSpPr>
+          <p:cNvPr id="2" name="Заголовок 1"/>
+          <p:cNvSpPr>
+            <a:spLocks noGrp="1"/>
+          </p:cNvSpPr>
+          <p:nvPr>
+            <p:ph type="title"/>
+          </p:nvPr>
+        </p:nvSpPr>
+        <p:spPr>
+          <a:xfrm>
+            <a:off x="688340" y="300990"/>
+            <a:ext cx="6605270" cy="1639570"/>
+          </a:xfrm>
+        </p:spPr>
+        <p:txBody>
+          <a:bodyPr>
+            <a:noAutofit/>
+          </a:bodyPr>
+          <a:p>
+            <a:r>
+              <a:rPr lang="ru-RU" altLang="en-US" sz="2800">
+                <a:solidFill>
+                  <a:schemeClr val="accent1">
+                    <a:lumMod val="60000"/>
+                    <a:lumOff val="40000"/>
+                  </a:schemeClr>
+                </a:solidFill>
+                <a:sym typeface="+mn-ea"/>
+              </a:rPr>
+              <a:t>графический интерфейс выполнен в понятном для орентирования стиле</a:t>
+            </a:r>
+            <a:endParaRPr lang="ru-RU" altLang="en-US" sz="2800">
+              <a:solidFill>
+                <a:schemeClr val="accent1">
+                  <a:lumMod val="60000"/>
+                  <a:lumOff val="40000"/>
+                </a:schemeClr>
+              </a:solidFill>
+              <a:sym typeface="+mn-ea"/>
+            </a:endParaRPr>
+          </a:p>
+        </p:txBody>
+      </p:sp>
+      <p:pic>
+        <p:nvPicPr>
+          <p:cNvPr id="6" name="Замещающая рамка рисунка 5" descr="скрин номер ван"/>
+          <p:cNvPicPr>
+            <a:picLocks noChangeAspect="1"/>
+          </p:cNvPicPr>
+          <p:nvPr>
+            <p:ph type="pic" idx="1"/>
+          </p:nvPr>
+        </p:nvPicPr>
+        <p:blipFill>
+          <a:blip r:embed="rId1"/>
+          <a:stretch>
+            <a:fillRect/>
+          </a:stretch>
+        </p:blipFill>
+        <p:spPr>
+          <a:xfrm>
+            <a:off x="7380605" y="1199515"/>
+            <a:ext cx="4377055" cy="4676775"/>
+          </a:xfrm>
+          <a:prstGeom prst="rect">
+            <a:avLst/>
+          </a:prstGeom>
+        </p:spPr>
+      </p:pic>
+      <p:sp>
+        <p:nvSpPr>
+          <p:cNvPr id="5" name="Замещающий текст 4"/>
+          <p:cNvSpPr>
+            <a:spLocks noGrp="1"/>
+          </p:cNvSpPr>
+          <p:nvPr>
+            <p:ph type="body" sz="half" idx="2"/>
+          </p:nvPr>
+        </p:nvSpPr>
+        <p:spPr>
+          <a:xfrm>
+            <a:off x="1141095" y="2249170"/>
+            <a:ext cx="2543175" cy="3542030"/>
+          </a:xfrm>
+        </p:spPr>
+        <p:txBody>
+          <a:bodyPr/>
+          <a:p>
+            <a:r>
+              <a:rPr lang="ru-RU" altLang="en-US"/>
+              <a:t> </a:t>
+            </a:r>
+            <a:endParaRPr lang="ru-RU" altLang="en-US"/>
+          </a:p>
+        </p:txBody>
+      </p:sp>
+      <p:sp>
+        <p:nvSpPr>
+          <p:cNvPr id="11" name="Стрелка вправо с вырезом 10"/>
+          <p:cNvSpPr/>
+          <p:nvPr/>
+        </p:nvSpPr>
+        <p:spPr>
+          <a:xfrm>
+            <a:off x="6314440" y="4114165"/>
+            <a:ext cx="979170" cy="485775"/>
+          </a:xfrm>
+          <a:prstGeom prst="notchedRightArrow">
+            <a:avLst/>
+          </a:prstGeom>
+        </p:spPr>
+        <p:style>
+          <a:lnRef idx="2">
+            <a:schemeClr val="accent1">
+              <a:lumMod val="75000"/>
+            </a:schemeClr>
+          </a:lnRef>
+          <a:fillRef idx="1">
+            <a:schemeClr val="accent1"/>
+          </a:fillRef>
+          <a:effectRef idx="0">
+            <a:srgbClr val="FFFFFF"/>
+          </a:effectRef>
+          <a:fontRef idx="minor">
+            <a:schemeClr val="lt1"/>
+          </a:fontRef>
+        </p:style>
+        <p:txBody>
+          <a:bodyPr rtlCol="0" anchor="ctr"/>
+          <a:p>
+            <a:pPr algn="ctr"/>
+            <a:endParaRPr lang="ru-RU" altLang="en-US"/>
+          </a:p>
+        </p:txBody>
+      </p:sp>
+      <p:sp>
+        <p:nvSpPr>
+          <p:cNvPr id="12" name="Стрелка вправо с вырезом 11"/>
+          <p:cNvSpPr/>
+          <p:nvPr>
+            <p:custDataLst>
+              <p:tags r:id="rId2"/>
+            </p:custDataLst>
+          </p:nvPr>
+        </p:nvSpPr>
+        <p:spPr>
+          <a:xfrm>
+            <a:off x="6314440" y="3520440"/>
+            <a:ext cx="979170" cy="485775"/>
+          </a:xfrm>
+          <a:prstGeom prst="notchedRightArrow">
+            <a:avLst/>
+          </a:prstGeom>
+        </p:spPr>
+        <p:style>
+          <a:lnRef idx="2">
+            <a:schemeClr val="accent1">
+              <a:lumMod val="75000"/>
+            </a:schemeClr>
+          </a:lnRef>
+          <a:fillRef idx="1">
+            <a:schemeClr val="accent1"/>
+          </a:fillRef>
+          <a:effectRef idx="0">
+            <a:srgbClr val="FFFFFF"/>
+          </a:effectRef>
+          <a:fontRef idx="minor">
+            <a:schemeClr val="lt1"/>
+          </a:fontRef>
+        </p:style>
+        <p:txBody>
+          <a:bodyPr rtlCol="0" anchor="ctr"/>
+          <a:p>
+            <a:pPr algn="ctr"/>
+            <a:endParaRPr lang="ru-RU" altLang="en-US"/>
+          </a:p>
+        </p:txBody>
+      </p:sp>
+      <p:sp>
+        <p:nvSpPr>
+          <p:cNvPr id="13" name="Стрелка вправо с вырезом 12"/>
+          <p:cNvSpPr/>
+          <p:nvPr>
+            <p:custDataLst>
+              <p:tags r:id="rId3"/>
+            </p:custDataLst>
+          </p:nvPr>
+        </p:nvSpPr>
+        <p:spPr>
+          <a:xfrm>
+            <a:off x="6314440" y="1940560"/>
+            <a:ext cx="979170" cy="485775"/>
+          </a:xfrm>
+          <a:prstGeom prst="notchedRightArrow">
+            <a:avLst/>
+          </a:prstGeom>
+        </p:spPr>
+        <p:style>
+          <a:lnRef idx="2">
+            <a:schemeClr val="accent1">
+              <a:lumMod val="75000"/>
+            </a:schemeClr>
+          </a:lnRef>
+          <a:fillRef idx="1">
+            <a:schemeClr val="accent1"/>
+          </a:fillRef>
+          <a:effectRef idx="0">
+            <a:srgbClr val="FFFFFF"/>
+          </a:effectRef>
+          <a:fontRef idx="minor">
+            <a:schemeClr val="lt1"/>
+          </a:fontRef>
+        </p:style>
+        <p:txBody>
+          <a:bodyPr rtlCol="0" anchor="ctr"/>
+          <a:p>
+            <a:pPr algn="ctr"/>
+            <a:endParaRPr lang="ru-RU" altLang="en-US"/>
+          </a:p>
+        </p:txBody>
+      </p:sp>
+      <p:sp>
+        <p:nvSpPr>
+          <p:cNvPr id="14" name="Текстовое поле 13"/>
+          <p:cNvSpPr txBox="1"/>
+          <p:nvPr/>
+        </p:nvSpPr>
+        <p:spPr>
+          <a:xfrm>
+            <a:off x="3913505" y="4201160"/>
+            <a:ext cx="4064000" cy="398780"/>
+          </a:xfrm>
+          <a:prstGeom prst="rect">
+            <a:avLst/>
+          </a:prstGeom>
+          <a:noFill/>
+        </p:spPr>
+        <p:txBody>
+          <a:bodyPr wrap="square" rtlCol="0">
+            <a:spAutoFit/>
+          </a:bodyPr>
+          <a:p>
+            <a:r>
+              <a:rPr lang="ru-RU" altLang="en-US" sz="2000"/>
+              <a:t>поле для вывода</a:t>
+            </a:r>
+            <a:endParaRPr lang="ru-RU" altLang="en-US" sz="2000"/>
+          </a:p>
+        </p:txBody>
+      </p:sp>
+      <p:sp>
+        <p:nvSpPr>
+          <p:cNvPr id="15" name="Текстовое поле 14"/>
+          <p:cNvSpPr txBox="1"/>
+          <p:nvPr/>
+        </p:nvSpPr>
+        <p:spPr>
+          <a:xfrm>
+            <a:off x="1517015" y="3578860"/>
+            <a:ext cx="5448300" cy="398780"/>
+          </a:xfrm>
+          <a:prstGeom prst="rect">
+            <a:avLst/>
+          </a:prstGeom>
+          <a:noFill/>
+        </p:spPr>
+        <p:txBody>
+          <a:bodyPr wrap="square" rtlCol="0">
+            <a:spAutoFit/>
+          </a:bodyPr>
+          <a:p>
+            <a:r>
+              <a:rPr lang="ru-RU" altLang="en-US" sz="2000"/>
+              <a:t>кнопкадля преобразования текста</a:t>
+            </a:r>
+            <a:endParaRPr lang="ru-RU" altLang="en-US" sz="2000"/>
+          </a:p>
+        </p:txBody>
+      </p:sp>
+      <p:sp>
+        <p:nvSpPr>
+          <p:cNvPr id="16" name="Текстовое поле 15"/>
+          <p:cNvSpPr txBox="1"/>
+          <p:nvPr/>
+        </p:nvSpPr>
+        <p:spPr>
+          <a:xfrm>
+            <a:off x="4225290" y="1999615"/>
+            <a:ext cx="4064000" cy="398780"/>
+          </a:xfrm>
+          <a:prstGeom prst="rect">
+            <a:avLst/>
+          </a:prstGeom>
+          <a:noFill/>
+        </p:spPr>
+        <p:txBody>
+          <a:bodyPr wrap="square" rtlCol="0">
+            <a:spAutoFit/>
+          </a:bodyPr>
+          <a:p>
+            <a:r>
+              <a:rPr lang="ru-RU" altLang="en-US" sz="2000"/>
+              <a:t>поле для ввода</a:t>
+            </a:r>
+            <a:r>
+              <a:rPr lang="ru-RU" altLang="en-US"/>
+              <a:t> </a:t>
+            </a:r>
+            <a:endParaRPr lang="ru-RU" altLang="en-US"/>
+          </a:p>
+        </p:txBody>
+      </p:sp>
+    </p:spTree>
+  </p:cSld>
+  <p:clrMapOvr>
+    <a:masterClrMapping/>
+  </p:clrMapOvr>
+</p:sld>
+</file>
+
+<file path=ppt/slides/slide11.xml><?xml version="1.0" encoding="utf-8"?>
+<p:sld xmlns:a="http://schemas.openxmlformats.org/drawingml/2006/main" xmlns:r="http://schemas.openxmlformats.org/officeDocument/2006/relationships" xmlns:p="http://schemas.openxmlformats.org/presentationml/2006/main">
+  <p:cSld>
+    <p:spTree>
+      <p:nvGrpSpPr>
+        <p:cNvPr id="1" name=""/>
+        <p:cNvGrpSpPr/>
+        <p:nvPr/>
+      </p:nvGrpSpPr>
+      <p:grpSpPr/>
+      <p:sp>
+        <p:nvSpPr>
+          <p:cNvPr id="2" name="Заголовок 1"/>
+          <p:cNvSpPr>
+            <a:spLocks noGrp="1"/>
+          </p:cNvSpPr>
+          <p:nvPr>
+            <p:ph type="title"/>
+          </p:nvPr>
+        </p:nvSpPr>
+        <p:spPr>
+          <a:xfrm>
+            <a:off x="1623695" y="411480"/>
+            <a:ext cx="4244340" cy="1403350"/>
+          </a:xfrm>
+        </p:spPr>
+        <p:txBody>
+          <a:bodyPr>
+            <a:normAutofit fontScale="90000"/>
+          </a:bodyPr>
+          <a:p>
+            <a:r>
+              <a:rPr lang="ru-RU" altLang="en-US" sz="4400">
+                <a:solidFill>
+                  <a:schemeClr val="accent1">
+                    <a:lumMod val="60000"/>
+                    <a:lumOff val="40000"/>
+                  </a:schemeClr>
+                </a:solidFill>
+              </a:rPr>
+              <a:t>немного про код</a:t>
+            </a:r>
+            <a:endParaRPr lang="ru-RU" altLang="en-US" sz="4400">
+              <a:solidFill>
+                <a:schemeClr val="accent1">
+                  <a:lumMod val="60000"/>
+                  <a:lumOff val="40000"/>
+                </a:schemeClr>
+              </a:solidFill>
+            </a:endParaRPr>
+          </a:p>
+        </p:txBody>
+      </p:sp>
+      <p:sp>
+        <p:nvSpPr>
+          <p:cNvPr id="4" name="Замещающий текст 3"/>
+          <p:cNvSpPr>
+            <a:spLocks noGrp="1"/>
+          </p:cNvSpPr>
+          <p:nvPr>
+            <p:ph type="body" sz="half" idx="2"/>
+          </p:nvPr>
+        </p:nvSpPr>
+        <p:spPr>
+          <a:xfrm>
+            <a:off x="867725" y="2249486"/>
+            <a:ext cx="5934511" cy="3541714"/>
+          </a:xfrm>
+        </p:spPr>
+        <p:txBody>
+          <a:bodyPr/>
+          <a:p>
+            <a:r>
+              <a:rPr lang="ru-RU" altLang="en-US" sz="2800"/>
+              <a:t>для работы программа была созданна библиотека заменяющая каждую букву на противоположную для русского и английского языков</a:t>
+            </a:r>
+            <a:endParaRPr lang="ru-RU" altLang="en-US" sz="2800"/>
+          </a:p>
+        </p:txBody>
+      </p:sp>
+      <p:pic>
+        <p:nvPicPr>
+          <p:cNvPr id="7" name="Замещающая рамка рисунка 6" descr="снимок новый"/>
+          <p:cNvPicPr>
+            <a:picLocks noChangeAspect="1"/>
+          </p:cNvPicPr>
+          <p:nvPr>
+            <p:ph type="pic" idx="1"/>
+          </p:nvPr>
+        </p:nvPicPr>
+        <p:blipFill>
+          <a:blip r:embed="rId1"/>
+          <a:stretch>
+            <a:fillRect/>
+          </a:stretch>
+        </p:blipFill>
+        <p:spPr>
+          <a:xfrm>
+            <a:off x="7143750" y="1709420"/>
+            <a:ext cx="4763135" cy="3870960"/>
+          </a:xfrm>
+          <a:prstGeom prst="rect">
+            <a:avLst/>
+          </a:prstGeom>
+        </p:spPr>
+      </p:pic>
+    </p:spTree>
+  </p:cSld>
+  <p:clrMapOvr>
+    <a:masterClrMapping/>
+  </p:clrMapOvr>
+</p:sld>
+</file>
+
+<file path=ppt/slides/slide12.xml><?xml version="1.0" encoding="utf-8"?>
+<p:sld xmlns:a="http://schemas.openxmlformats.org/drawingml/2006/main" xmlns:r="http://schemas.openxmlformats.org/officeDocument/2006/relationships" xmlns:p="http://schemas.openxmlformats.org/presentationml/2006/main">
+  <p:cSld>
+    <p:spTree>
+      <p:nvGrpSpPr>
+        <p:cNvPr id="1" name=""/>
+        <p:cNvGrpSpPr/>
+        <p:nvPr/>
+      </p:nvGrpSpPr>
+      <p:grpSpPr/>
+      <p:sp>
+        <p:nvSpPr>
+          <p:cNvPr id="2" name="Заголовок 1"/>
+          <p:cNvSpPr>
+            <a:spLocks noGrp="1"/>
+          </p:cNvSpPr>
+          <p:nvPr>
+            <p:ph type="title"/>
+          </p:nvPr>
+        </p:nvSpPr>
+        <p:spPr/>
+        <p:txBody>
+          <a:bodyPr/>
+          <a:p>
+            <a:r>
+              <a:rPr lang="ru-RU" altLang="en-US" sz="5400">
+                <a:solidFill>
+                  <a:schemeClr val="accent1">
+                    <a:lumMod val="60000"/>
+                    <a:lumOff val="40000"/>
+                  </a:schemeClr>
+                </a:solidFill>
+              </a:rPr>
+              <a:t>ИТОГ</a:t>
+            </a:r>
+            <a:r>
+              <a:rPr lang="en-US" altLang="en-US" sz="5400">
+                <a:solidFill>
+                  <a:schemeClr val="accent1">
+                    <a:lumMod val="60000"/>
+                    <a:lumOff val="40000"/>
+                  </a:schemeClr>
+                </a:solidFill>
+              </a:rPr>
+              <a:t>:</a:t>
+            </a:r>
+            <a:endParaRPr lang="en-US" altLang="en-US" sz="5400">
+              <a:solidFill>
+                <a:schemeClr val="accent1">
+                  <a:lumMod val="60000"/>
+                  <a:lumOff val="40000"/>
+                </a:schemeClr>
+              </a:solidFill>
+            </a:endParaRPr>
+          </a:p>
+        </p:txBody>
+      </p:sp>
+      <p:sp>
+        <p:nvSpPr>
+          <p:cNvPr id="4" name="Замещающий текст 3"/>
+          <p:cNvSpPr>
+            <a:spLocks noGrp="1"/>
+          </p:cNvSpPr>
+          <p:nvPr>
+            <p:ph type="body" sz="half" idx="2"/>
+          </p:nvPr>
+        </p:nvSpPr>
+        <p:spPr>
+          <a:xfrm>
+            <a:off x="1141095" y="2249170"/>
+            <a:ext cx="4311015" cy="3542030"/>
+          </a:xfrm>
+        </p:spPr>
+        <p:txBody>
+          <a:bodyPr/>
+          <a:p>
+            <a:r>
+              <a:rPr lang="ru-RU" altLang="en-US" sz="2800"/>
+              <a:t>Было создано приложение для шифровки и расшифровки шифром Атбаш</a:t>
+            </a:r>
+            <a:r>
+              <a:rPr lang="en-US" altLang="ru-RU" sz="2800"/>
+              <a:t>.</a:t>
+            </a:r>
+            <a:endParaRPr lang="ru-RU" altLang="en-US" sz="2800"/>
+          </a:p>
+        </p:txBody>
+      </p:sp>
+      <p:pic>
+        <p:nvPicPr>
+          <p:cNvPr id="5" name="Замещающая рамка рисунка 4" descr="футбол"/>
+          <p:cNvPicPr>
+            <a:picLocks noChangeAspect="1"/>
+          </p:cNvPicPr>
+          <p:nvPr>
+            <p:ph type="pic" idx="1"/>
+          </p:nvPr>
+        </p:nvPicPr>
+        <p:blipFill>
+          <a:blip r:embed="rId1"/>
+          <a:stretch>
+            <a:fillRect/>
+          </a:stretch>
+        </p:blipFill>
+        <p:spPr>
+          <a:xfrm>
+            <a:off x="6340475" y="1071245"/>
+            <a:ext cx="5386070" cy="4951095"/>
+          </a:xfrm>
+          <a:prstGeom prst="rect">
+            <a:avLst/>
+          </a:prstGeom>
+        </p:spPr>
+      </p:pic>
+    </p:spTree>
+  </p:cSld>
+  <p:clrMapOvr>
+    <a:masterClrMapping/>
+  </p:clrMapOvr>
+</p:sld>
+</file>
+
+<file path=ppt/slides/slide13.xml><?xml version="1.0" encoding="utf-8"?>
+<p:sld xmlns:a="http://schemas.openxmlformats.org/drawingml/2006/main" xmlns:r="http://schemas.openxmlformats.org/officeDocument/2006/relationships" xmlns:p="http://schemas.openxmlformats.org/presentationml/2006/main">
+  <p:cSld>
+    <p:spTree>
+      <p:nvGrpSpPr>
+        <p:cNvPr id="1" name=""/>
+        <p:cNvGrpSpPr/>
+        <p:nvPr/>
+      </p:nvGrpSpPr>
+      <p:grpSpPr/>
+      <p:sp>
+        <p:nvSpPr>
+          <p:cNvPr id="2" name="Заголовок 1"/>
+          <p:cNvSpPr>
+            <a:spLocks noGrp="1"/>
+          </p:cNvSpPr>
+          <p:nvPr>
+            <p:ph type="title"/>
+          </p:nvPr>
+        </p:nvSpPr>
+        <p:spPr>
+          <a:xfrm>
+            <a:off x="1217295" y="1165860"/>
+            <a:ext cx="5278120" cy="3395345"/>
+          </a:xfrm>
+        </p:spPr>
+        <p:txBody>
+          <a:bodyPr>
+            <a:normAutofit/>
+          </a:bodyPr>
+          <a:p>
+            <a:r>
+              <a:rPr lang="ru-RU" altLang="en-US"/>
+              <a:t>задавайте вопросы</a:t>
+            </a:r>
+            <a:r>
+              <a:rPr lang="en-US" altLang="ru-RU"/>
+              <a:t>, </a:t>
+            </a:r>
+            <a:r>
+              <a:rPr lang="ru-RU" altLang="en-US"/>
+              <a:t>если что то не понятно</a:t>
+            </a:r>
+            <a:endParaRPr lang="ru-RU" altLang="en-US"/>
+          </a:p>
+        </p:txBody>
+      </p:sp>
+      <p:sp>
+        <p:nvSpPr>
+          <p:cNvPr id="5" name="Текстовое поле 4"/>
+          <p:cNvSpPr txBox="1"/>
+          <p:nvPr/>
+        </p:nvSpPr>
+        <p:spPr>
+          <a:xfrm>
+            <a:off x="1572895" y="300990"/>
+            <a:ext cx="4064000" cy="706755"/>
+          </a:xfrm>
+          <a:prstGeom prst="rect">
+            <a:avLst/>
+          </a:prstGeom>
+          <a:noFill/>
+        </p:spPr>
+        <p:txBody>
+          <a:bodyPr wrap="square" rtlCol="0">
+            <a:spAutoFit/>
+          </a:bodyPr>
+          <a:p>
+            <a:r>
+              <a:rPr lang="ru-RU" altLang="en-US" sz="4000">
+                <a:solidFill>
+                  <a:schemeClr val="accent1">
+                    <a:lumMod val="60000"/>
+                    <a:lumOff val="40000"/>
+                  </a:schemeClr>
+                </a:solidFill>
+              </a:rPr>
+              <a:t>завершение</a:t>
+            </a:r>
+            <a:endParaRPr lang="ru-RU" altLang="en-US" sz="4000">
+              <a:solidFill>
+                <a:schemeClr val="accent1">
+                  <a:lumMod val="60000"/>
+                  <a:lumOff val="40000"/>
+                </a:schemeClr>
+              </a:solidFill>
+            </a:endParaRPr>
+          </a:p>
+        </p:txBody>
+      </p:sp>
+      <p:pic>
+        <p:nvPicPr>
+          <p:cNvPr id="8" name="Замещающее содержимое 7" descr="муравей 3"/>
+          <p:cNvPicPr>
+            <a:picLocks noChangeAspect="1"/>
+          </p:cNvPicPr>
+          <p:nvPr>
+            <p:ph idx="1"/>
+          </p:nvPr>
+        </p:nvPicPr>
+        <p:blipFill>
+          <a:blip r:embed="rId1"/>
+          <a:stretch>
+            <a:fillRect/>
+          </a:stretch>
+        </p:blipFill>
+        <p:spPr>
+          <a:xfrm>
+            <a:off x="7900035" y="2774950"/>
+            <a:ext cx="2800350" cy="2620010"/>
+          </a:xfrm>
+          <a:prstGeom prst="rect">
+            <a:avLst/>
+          </a:prstGeom>
+        </p:spPr>
+      </p:pic>
+      <p:sp>
+        <p:nvSpPr>
+          <p:cNvPr id="9" name="Текстовое поле 8"/>
+          <p:cNvSpPr txBox="1"/>
+          <p:nvPr/>
+        </p:nvSpPr>
+        <p:spPr>
+          <a:xfrm>
+            <a:off x="6737350" y="1821815"/>
+            <a:ext cx="4988560" cy="953135"/>
+          </a:xfrm>
+          <a:prstGeom prst="rect">
+            <a:avLst/>
+          </a:prstGeom>
+          <a:noFill/>
+        </p:spPr>
+        <p:txBody>
+          <a:bodyPr wrap="square" rtlCol="0">
+            <a:spAutoFit/>
+          </a:bodyPr>
+          <a:p>
+            <a:r>
+              <a:rPr lang="en-US" altLang="en-US" sz="2800">
+                <a:solidFill>
+                  <a:schemeClr val="accent1">
+                    <a:lumMod val="60000"/>
+                    <a:lumOff val="40000"/>
+                  </a:schemeClr>
+                </a:solidFill>
+                <a:latin typeface="Arial Black" panose="020B0A04020102020204" charset="0"/>
+                <a:cs typeface="Arial Black" panose="020B0A04020102020204" charset="0"/>
+              </a:rPr>
+              <a:t>Qr</a:t>
+            </a:r>
+            <a:r>
+              <a:rPr lang="ru-RU" altLang="en-US" sz="2800">
+                <a:solidFill>
+                  <a:schemeClr val="accent1">
+                    <a:lumMod val="60000"/>
+                    <a:lumOff val="40000"/>
+                  </a:schemeClr>
+                </a:solidFill>
+                <a:latin typeface="Arial Black" panose="020B0A04020102020204" charset="0"/>
+                <a:cs typeface="Arial Black" panose="020B0A04020102020204" charset="0"/>
+              </a:rPr>
+              <a:t> код и ссылка на мой </a:t>
+            </a:r>
+            <a:r>
+              <a:rPr lang="en-US" altLang="en-US" sz="2800">
+                <a:solidFill>
+                  <a:schemeClr val="accent1">
+                    <a:lumMod val="60000"/>
+                    <a:lumOff val="40000"/>
+                  </a:schemeClr>
+                </a:solidFill>
+                <a:latin typeface="Arial Black" panose="020B0A04020102020204" charset="0"/>
+                <a:cs typeface="Arial Black" panose="020B0A04020102020204" charset="0"/>
+              </a:rPr>
+              <a:t>GitHub</a:t>
+            </a:r>
+            <a:r>
+              <a:rPr lang="ru-RU" altLang="en-US" sz="2800">
+                <a:solidFill>
+                  <a:schemeClr val="accent1">
+                    <a:lumMod val="60000"/>
+                    <a:lumOff val="40000"/>
+                  </a:schemeClr>
+                </a:solidFill>
+                <a:latin typeface="Arial Black" panose="020B0A04020102020204" charset="0"/>
+                <a:cs typeface="Arial Black" panose="020B0A04020102020204" charset="0"/>
+              </a:rPr>
+              <a:t> с приложением</a:t>
+            </a:r>
+            <a:r>
+              <a:rPr lang="en-US" altLang="en-US" sz="2800">
+                <a:solidFill>
+                  <a:schemeClr val="accent1">
+                    <a:lumMod val="60000"/>
+                    <a:lumOff val="40000"/>
+                  </a:schemeClr>
+                </a:solidFill>
+                <a:latin typeface="Arial Black" panose="020B0A04020102020204" charset="0"/>
+                <a:cs typeface="Arial Black" panose="020B0A04020102020204" charset="0"/>
+              </a:rPr>
+              <a:t> </a:t>
+            </a:r>
+            <a:endParaRPr lang="en-US" altLang="en-US" sz="2800">
+              <a:solidFill>
+                <a:schemeClr val="accent1">
+                  <a:lumMod val="60000"/>
+                  <a:lumOff val="40000"/>
+                </a:schemeClr>
+              </a:solidFill>
+              <a:latin typeface="Arial Black" panose="020B0A04020102020204" charset="0"/>
+              <a:cs typeface="Arial Black" panose="020B0A04020102020204" charset="0"/>
+            </a:endParaRPr>
+          </a:p>
+        </p:txBody>
+      </p:sp>
+      <p:sp>
+        <p:nvSpPr>
+          <p:cNvPr id="10" name="Текстовое поле 9"/>
+          <p:cNvSpPr txBox="1"/>
+          <p:nvPr/>
+        </p:nvSpPr>
+        <p:spPr>
+          <a:xfrm>
+            <a:off x="6739890" y="5533390"/>
+            <a:ext cx="4986020" cy="1092200"/>
+          </a:xfrm>
+          <a:prstGeom prst="rect">
+            <a:avLst/>
+          </a:prstGeom>
+          <a:noFill/>
+        </p:spPr>
+        <p:txBody>
+          <a:bodyPr wrap="square" rtlCol="0">
+            <a:noAutofit/>
+          </a:bodyPr>
+          <a:p>
+            <a:r>
+              <a:rPr lang="ru-RU" altLang="en-US" sz="2000">
+                <a:solidFill>
+                  <a:schemeClr val="accent1">
+                    <a:lumMod val="60000"/>
+                    <a:lumOff val="40000"/>
+                  </a:schemeClr>
+                </a:solidFill>
+              </a:rPr>
+              <a:t>https://github.com/astrahanin/project-SOH/tree/main/application</a:t>
+            </a:r>
+            <a:endParaRPr lang="ru-RU" altLang="en-US" sz="2000">
+              <a:solidFill>
+                <a:schemeClr val="accent1">
+                  <a:lumMod val="60000"/>
+                  <a:lumOff val="40000"/>
+                </a:schemeClr>
+              </a:solidFill>
+            </a:endParaRPr>
+          </a:p>
+        </p:txBody>
+      </p:sp>
+    </p:spTree>
   </p:cSld>
   <p:clrMapOvr>
     <a:masterClrMapping/>
@@ -12526,13 +12292,7 @@
       </p:grpSpPr>
       <p:sp>
         <p:nvSpPr>
-          <p:cNvPr id="2" name="Заголовок 1">
-            <a:extLst>
-              <a:ext uri="{FF2B5EF4-FFF2-40B4-BE49-F238E27FC236}">
-                <a16:creationId xmlns:a16="http://schemas.microsoft.com/office/drawing/2014/main" id="{DFC4AC4C-2A66-4F09-8C94-9E5AB5A474EF}"/>
-              </a:ext>
-            </a:extLst>
-          </p:cNvPr>
+          <p:cNvPr id="2" name="Заголовок 1"/>
           <p:cNvSpPr>
             <a:spLocks noGrp="1"/>
           </p:cNvSpPr>
@@ -12540,7 +12300,12 @@
             <p:ph type="title"/>
           </p:nvPr>
         </p:nvSpPr>
-        <p:spPr/>
+        <p:spPr>
+          <a:xfrm>
+            <a:off x="1141413" y="354358"/>
+            <a:ext cx="9905998" cy="1478570"/>
+          </a:xfrm>
+        </p:spPr>
         <p:txBody>
           <a:bodyPr>
             <a:normAutofit/>
@@ -12558,18 +12323,20 @@
               </a:rPr>
               <a:t>Цели и задачи.</a:t>
             </a:r>
-          </a:p>
-        </p:txBody>
-      </p:sp>
-      <p:sp>
-        <p:nvSpPr>
-          <p:cNvPr id="3" name="Объект 2">
-            <a:extLst>
-              <a:ext uri="{FF2B5EF4-FFF2-40B4-BE49-F238E27FC236}">
-                <a16:creationId xmlns:a16="http://schemas.microsoft.com/office/drawing/2014/main" id="{F642BF27-44AB-400F-8E40-1B3E9E26F127}"/>
-              </a:ext>
-            </a:extLst>
-          </p:cNvPr>
+            <a:endParaRPr lang="ru-RU" sz="6000" dirty="0">
+              <a:solidFill>
+                <a:schemeClr val="accent1">
+                  <a:lumMod val="60000"/>
+                  <a:lumOff val="40000"/>
+                </a:schemeClr>
+              </a:solidFill>
+            </a:endParaRPr>
+          </a:p>
+        </p:txBody>
+      </p:sp>
+      <p:sp>
+        <p:nvSpPr>
+          <p:cNvPr id="3" name="Объект 2"/>
           <p:cNvSpPr>
             <a:spLocks noGrp="1"/>
           </p:cNvSpPr>
@@ -12579,8 +12346,8 @@
         </p:nvSpPr>
         <p:spPr>
           <a:xfrm>
-            <a:off x="1141412" y="2249487"/>
-            <a:ext cx="10029750" cy="1311351"/>
+            <a:off x="1141730" y="1588770"/>
+            <a:ext cx="10029190" cy="4465955"/>
           </a:xfrm>
         </p:spPr>
         <p:txBody>
@@ -12590,45 +12357,26 @@
           <a:lstStyle/>
           <a:p>
             <a:r>
-              <a:rPr lang="ru-RU" sz="11200" b="1" dirty="0"/>
+              <a:rPr lang="ru-RU" sz="16000" b="1" dirty="0"/>
               <a:t>Разработка алгоритма </a:t>
             </a:r>
             <a:r>
-              <a:rPr lang="ru-RU" sz="11200" b="1" dirty="0" err="1"/>
+              <a:rPr lang="ru-RU" sz="16000" b="1" dirty="0" err="1"/>
               <a:t>Атбаш</a:t>
             </a:r>
             <a:r>
-              <a:rPr lang="ru-RU" sz="11200" dirty="0"/>
+              <a:rPr lang="ru-RU" sz="16000" dirty="0"/>
               <a:t>: Написание алгоритма, который осуществляет шифрование и расшифровку текста в соответствии с методом </a:t>
             </a:r>
             <a:r>
-              <a:rPr lang="ru-RU" sz="11200" dirty="0" err="1"/>
+              <a:rPr lang="ru-RU" sz="16000" dirty="0" err="1"/>
               <a:t>Атбаш</a:t>
             </a:r>
             <a:r>
-              <a:rPr lang="ru-RU" sz="11200" dirty="0"/>
+              <a:rPr lang="ru-RU" sz="16000" dirty="0"/>
               <a:t> для каждой буквы в тексте.</a:t>
             </a:r>
-          </a:p>
-          <a:p>
-            <a:r>
-              <a:rPr lang="ru-RU" sz="11200" b="1" dirty="0"/>
-              <a:t>Интерфейс пользователя</a:t>
-            </a:r>
-            <a:r>
-              <a:rPr lang="ru-RU" sz="11200" dirty="0"/>
-              <a:t>: Создание пользовательского интерфейса с элементами для ввода текста, выбора режима (шифрование или расшифровка) и отображения результатов.</a:t>
-            </a:r>
-          </a:p>
-          <a:p>
-            <a:r>
-              <a:rPr lang="ru-RU" sz="11200" b="1" dirty="0"/>
-              <a:t>Тестирование</a:t>
-            </a:r>
-            <a:r>
-              <a:rPr lang="ru-RU" sz="11200" dirty="0"/>
-              <a:t>: Проведение тестирования для проверки корректности работы шифрования и расшифровки на различных входных данных.</a:t>
-            </a:r>
+            <a:endParaRPr lang="ru-RU" sz="16000" dirty="0"/>
           </a:p>
           <a:p>
             <a:endParaRPr lang="ru-RU" dirty="0"/>
@@ -12642,11 +12390,6 @@
         </p:txBody>
       </p:sp>
     </p:spTree>
-    <p:extLst>
-      <p:ext uri="{BB962C8B-B14F-4D97-AF65-F5344CB8AC3E}">
-        <p14:creationId xmlns:p14="http://schemas.microsoft.com/office/powerpoint/2010/main" val="1058321738"/>
-      </p:ext>
-    </p:extLst>
   </p:cSld>
   <p:clrMapOvr>
     <a:masterClrMapping/>
@@ -12663,160 +12406,63 @@
         <p:cNvGrpSpPr/>
         <p:nvPr/>
       </p:nvGrpSpPr>
-      <p:grpSpPr>
-        <a:xfrm>
-          <a:off x="0" y="0"/>
-          <a:ext cx="0" cy="0"/>
-          <a:chOff x="0" y="0"/>
-          <a:chExt cx="0" cy="0"/>
-        </a:xfrm>
-      </p:grpSpPr>
-      <p:sp>
-        <p:nvSpPr>
-          <p:cNvPr id="2" name="Заголовок 1">
-            <a:extLst>
-              <a:ext uri="{FF2B5EF4-FFF2-40B4-BE49-F238E27FC236}">
-                <a16:creationId xmlns:a16="http://schemas.microsoft.com/office/drawing/2014/main" id="{8FCD9485-FD40-40E6-BE55-2E7532F4B793}"/>
-              </a:ext>
-            </a:extLst>
-          </p:cNvPr>
+      <p:grpSpPr/>
+      <p:sp>
+        <p:nvSpPr>
+          <p:cNvPr id="3" name="Замещающее содержимое 2"/>
           <p:cNvSpPr>
             <a:spLocks noGrp="1"/>
           </p:cNvSpPr>
           <p:nvPr>
-            <p:ph type="title"/>
-          </p:nvPr>
-        </p:nvSpPr>
-        <p:spPr/>
-        <p:txBody>
-          <a:bodyPr/>
-          <a:lstStyle/>
-          <a:p>
-            <a:r>
-              <a:rPr lang="ru-RU" dirty="0" err="1">
-                <a:solidFill>
-                  <a:schemeClr val="accent1">
-                    <a:lumMod val="60000"/>
-                    <a:lumOff val="40000"/>
-                  </a:schemeClr>
-                </a:solidFill>
+            <p:ph idx="1"/>
+          </p:nvPr>
+        </p:nvSpPr>
+        <p:spPr>
+          <a:xfrm>
+            <a:off x="1141412" y="841057"/>
+            <a:ext cx="9905999" cy="3541714"/>
+          </a:xfrm>
+        </p:spPr>
+        <p:txBody>
+          <a:bodyPr>
+            <a:noAutofit/>
+          </a:bodyPr>
+          <a:p>
+            <a:r>
+              <a:rPr lang="ru-RU" sz="3200" b="1" dirty="0">
+                <a:sym typeface="+mn-ea"/>
               </a:rPr>
-              <a:t>ДлЯ</a:t>
-            </a:r>
-            <a:r>
-              <a:rPr lang="ru-RU" dirty="0">
-                <a:solidFill>
-                  <a:schemeClr val="accent1">
-                    <a:lumMod val="60000"/>
-                    <a:lumOff val="40000"/>
-                  </a:schemeClr>
-                </a:solidFill>
+              <a:t>Интерфейс пользователя</a:t>
+            </a:r>
+            <a:r>
+              <a:rPr lang="ru-RU" sz="3200" dirty="0">
+                <a:sym typeface="+mn-ea"/>
               </a:rPr>
-              <a:t> КОГО НУЖЕН</a:t>
-            </a:r>
-            <a:r>
-              <a:rPr lang="en-US" dirty="0">
-                <a:solidFill>
-                  <a:schemeClr val="accent1">
-                    <a:lumMod val="60000"/>
-                    <a:lumOff val="40000"/>
-                  </a:schemeClr>
-                </a:solidFill>
+              <a:t>: Создание пользовательского интерфейса с элементами для ввода текста, преобразования и отображения результатов.</a:t>
+            </a:r>
+            <a:endParaRPr lang="ru-RU" sz="3200" dirty="0"/>
+          </a:p>
+          <a:p>
+            <a:r>
+              <a:rPr lang="ru-RU" sz="3200" b="1" dirty="0">
+                <a:sym typeface="+mn-ea"/>
               </a:rPr>
-              <a:t>?</a:t>
-            </a:r>
-            <a:endParaRPr lang="ru-RU" dirty="0">
-              <a:solidFill>
-                <a:schemeClr val="accent1">
-                  <a:lumMod val="60000"/>
-                  <a:lumOff val="40000"/>
-                </a:schemeClr>
-              </a:solidFill>
-            </a:endParaRPr>
-          </a:p>
-        </p:txBody>
-      </p:sp>
-      <p:sp>
-        <p:nvSpPr>
-          <p:cNvPr id="3" name="Объект 2">
-            <a:extLst>
-              <a:ext uri="{FF2B5EF4-FFF2-40B4-BE49-F238E27FC236}">
-                <a16:creationId xmlns:a16="http://schemas.microsoft.com/office/drawing/2014/main" id="{5E25CE38-5D6E-499F-A428-D5CD539D9D8D}"/>
-              </a:ext>
-            </a:extLst>
-          </p:cNvPr>
-          <p:cNvSpPr>
-            <a:spLocks noGrp="1"/>
-          </p:cNvSpPr>
-          <p:nvPr>
-            <p:ph idx="1"/>
-          </p:nvPr>
-        </p:nvSpPr>
-        <p:spPr/>
-        <p:txBody>
-          <a:bodyPr>
-            <a:normAutofit fontScale="92500"/>
-          </a:bodyPr>
-          <a:lstStyle/>
-          <a:p>
-            <a:pPr marL="0" indent="0">
-              <a:buNone/>
-            </a:pPr>
-            <a:r>
-              <a:rPr lang="ru-RU" dirty="0"/>
-              <a:t>Люди, которые ценят конфиденциальность своих персональных сообщений могут использовать такое приложение для шифрования личных сообщений.</a:t>
-            </a:r>
-          </a:p>
-          <a:p>
-            <a:pPr marL="0" indent="0">
-              <a:buNone/>
-            </a:pPr>
-            <a:r>
-              <a:rPr lang="ru-RU" b="1" dirty="0"/>
-              <a:t>Образовательные цели</a:t>
-            </a:r>
-            <a:r>
-              <a:rPr lang="ru-RU" dirty="0"/>
-              <a:t>: Учащиеся и преподаватели могут использовать приложение для демонстрации и изучения принципов работы шифра </a:t>
-            </a:r>
-            <a:r>
-              <a:rPr lang="ru-RU" dirty="0" err="1"/>
-              <a:t>Атбаш</a:t>
-            </a:r>
-            <a:r>
-              <a:rPr lang="ru-RU" dirty="0"/>
-              <a:t> в учебных целях.</a:t>
-            </a:r>
-          </a:p>
-          <a:p>
-            <a:pPr marL="0" indent="0">
-              <a:buNone/>
-            </a:pPr>
-            <a:r>
-              <a:rPr lang="ru-RU" b="1" dirty="0"/>
-              <a:t>Любители криптографии</a:t>
-            </a:r>
-            <a:r>
-              <a:rPr lang="ru-RU" dirty="0"/>
-              <a:t>: Люди, интересующиеся криптографией как хобби, могут использовать приложение для изучения классического метода </a:t>
-            </a:r>
-            <a:r>
-              <a:rPr lang="ru-RU" dirty="0" err="1"/>
-              <a:t>Атбаш</a:t>
-            </a:r>
-            <a:r>
-              <a:rPr lang="ru-RU" dirty="0"/>
-              <a:t>.</a:t>
-            </a:r>
+              <a:t>Тестирование</a:t>
+            </a:r>
+            <a:r>
+              <a:rPr lang="ru-RU" sz="3200" dirty="0">
+                <a:sym typeface="+mn-ea"/>
+              </a:rPr>
+              <a:t>: Проведение тестирования для проверки корректности работы шифрования и расшифровки на различных входных данных.</a:t>
+            </a:r>
+            <a:endParaRPr lang="ru-RU" sz="3200" dirty="0"/>
+          </a:p>
+          <a:p>
+            <a:endParaRPr lang="ru-RU" altLang="en-US" sz="3200" dirty="0"/>
           </a:p>
         </p:txBody>
       </p:sp>
     </p:spTree>
-    <p:extLst>
-      <p:ext uri="{BB962C8B-B14F-4D97-AF65-F5344CB8AC3E}">
-        <p14:creationId xmlns:p14="http://schemas.microsoft.com/office/powerpoint/2010/main" val="2961110124"/>
-      </p:ext>
-    </p:extLst>
   </p:cSld>
   <p:clrMapOvr>
     <a:masterClrMapping/>
@@ -12843,13 +12489,7 @@
       </p:grpSpPr>
       <p:sp>
         <p:nvSpPr>
-          <p:cNvPr id="2" name="Заголовок 1">
-            <a:extLst>
-              <a:ext uri="{FF2B5EF4-FFF2-40B4-BE49-F238E27FC236}">
-                <a16:creationId xmlns:a16="http://schemas.microsoft.com/office/drawing/2014/main" id="{9B946B93-9867-492F-9744-D1CAE1CA7C8D}"/>
-              </a:ext>
-            </a:extLst>
-          </p:cNvPr>
+          <p:cNvPr id="2" name="Заголовок 1"/>
           <p:cNvSpPr>
             <a:spLocks noGrp="1"/>
           </p:cNvSpPr>
@@ -12859,13 +12499,11 @@
         </p:nvSpPr>
         <p:spPr/>
         <p:txBody>
-          <a:bodyPr>
-            <a:normAutofit/>
-          </a:bodyPr>
+          <a:bodyPr/>
           <a:lstStyle/>
           <a:p>
             <a:r>
-              <a:rPr lang="ru-RU" sz="3200" dirty="0">
+              <a:rPr lang="ru-RU" dirty="0" err="1">
                 <a:solidFill>
                   <a:schemeClr val="accent1">
                     <a:lumMod val="60000"/>
@@ -12873,20 +12511,44 @@
                   </a:schemeClr>
                 </a:solidFill>
               </a:rPr>
-              <a:t>Проблемы которые решает мой проект.</a:t>
-            </a:r>
-          </a:p>
-        </p:txBody>
-      </p:sp>
-      <p:sp>
-        <p:nvSpPr>
-          <p:cNvPr id="3" name="Объект 2">
-            <a:extLst>
-              <a:ext uri="{FF2B5EF4-FFF2-40B4-BE49-F238E27FC236}">
-                <a16:creationId xmlns:a16="http://schemas.microsoft.com/office/drawing/2014/main" id="{C7C0D0D3-A07A-406F-819D-3397A6C810CF}"/>
-              </a:ext>
-            </a:extLst>
-          </p:cNvPr>
+              <a:t>ДлЯ</a:t>
+            </a:r>
+            <a:r>
+              <a:rPr lang="ru-RU" dirty="0">
+                <a:solidFill>
+                  <a:schemeClr val="accent1">
+                    <a:lumMod val="60000"/>
+                    <a:lumOff val="40000"/>
+                  </a:schemeClr>
+                </a:solidFill>
+              </a:rPr>
+              <a:t> КОГО НУЖЕН</a:t>
+            </a:r>
+            <a:r>
+              <a:rPr lang="en-US" dirty="0">
+                <a:solidFill>
+                  <a:schemeClr val="accent1">
+                    <a:lumMod val="60000"/>
+                    <a:lumOff val="40000"/>
+                  </a:schemeClr>
+                </a:solidFill>
+              </a:rPr>
+              <a:t>?</a:t>
+            </a:r>
+            <a:endParaRPr lang="ru-RU" dirty="0">
+              <a:solidFill>
+                <a:schemeClr val="accent1">
+                  <a:lumMod val="60000"/>
+                  <a:lumOff val="40000"/>
+                </a:schemeClr>
+              </a:solidFill>
+            </a:endParaRPr>
+          </a:p>
+        </p:txBody>
+      </p:sp>
+      <p:sp>
+        <p:nvSpPr>
+          <p:cNvPr id="3" name="Объект 2"/>
           <p:cNvSpPr>
             <a:spLocks noGrp="1"/>
           </p:cNvSpPr>
@@ -12896,52 +12558,27 @@
         </p:nvSpPr>
         <p:spPr/>
         <p:txBody>
-          <a:bodyPr>
-            <a:normAutofit/>
-          </a:bodyPr>
+          <a:bodyPr/>
           <a:lstStyle/>
           <a:p>
-            <a:r>
-              <a:rPr lang="ru-RU" b="1" dirty="0"/>
-              <a:t>Безопасность сообщений</a:t>
-            </a:r>
-            <a:r>
-              <a:rPr lang="ru-RU" dirty="0"/>
-              <a:t>: Защищает передаваемые сообщения от перехвата и прослушивания на коммуникационных каналах.</a:t>
-            </a:r>
-            <a:r>
-              <a:rPr lang="ru-RU" b="1" dirty="0"/>
-              <a:t> </a:t>
-            </a:r>
-          </a:p>
-          <a:p>
-            <a:r>
-              <a:rPr lang="ru-RU" b="1" dirty="0"/>
-              <a:t>Образовательные цели</a:t>
-            </a:r>
-            <a:r>
-              <a:rPr lang="ru-RU" dirty="0"/>
-              <a:t>: Помогает студентам и преподавателям изучать криптографию и методы шифрования.</a:t>
-            </a:r>
-          </a:p>
-          <a:p>
-            <a:r>
-              <a:rPr lang="ru-RU" b="1" dirty="0"/>
-              <a:t>Защита личной жизни</a:t>
-            </a:r>
-            <a:r>
-              <a:rPr lang="ru-RU" dirty="0"/>
-              <a:t>: Помогает сохранять личную жизнь, защищая личные общения от ненужного вмешательства.</a:t>
-            </a:r>
+            <a:pPr marL="0" indent="0">
+              <a:buNone/>
+            </a:pPr>
+            <a:r>
+              <a:rPr lang="ru-RU" sz="3200" dirty="0"/>
+              <a:t>Люди, которые ценят конфиденциальность своих персональных сообщений могут использовать это приложение для шифрования личных сообщений.</a:t>
+            </a:r>
+            <a:endParaRPr lang="ru-RU" sz="3200" dirty="0"/>
+          </a:p>
+          <a:p>
+            <a:pPr marL="0" indent="0">
+              <a:buNone/>
+            </a:pPr>
+            <a:endParaRPr lang="ru-RU" sz="3200" dirty="0"/>
           </a:p>
         </p:txBody>
       </p:sp>
     </p:spTree>
-    <p:extLst>
-      <p:ext uri="{BB962C8B-B14F-4D97-AF65-F5344CB8AC3E}">
-        <p14:creationId xmlns:p14="http://schemas.microsoft.com/office/powerpoint/2010/main" val="3277361407"/>
-      </p:ext>
-    </p:extLst>
   </p:cSld>
   <p:clrMapOvr>
     <a:masterClrMapping/>
@@ -12958,58 +12595,119 @@
         <p:cNvGrpSpPr/>
         <p:nvPr/>
       </p:nvGrpSpPr>
-      <p:grpSpPr>
-        <a:xfrm>
-          <a:off x="0" y="0"/>
-          <a:ext cx="0" cy="0"/>
-          <a:chOff x="0" y="0"/>
-          <a:chExt cx="0" cy="0"/>
-        </a:xfrm>
-      </p:grpSpPr>
-      <p:sp>
-        <p:nvSpPr>
-          <p:cNvPr id="2" name="Заголовок 1">
-            <a:extLst>
-              <a:ext uri="{FF2B5EF4-FFF2-40B4-BE49-F238E27FC236}">
-                <a16:creationId xmlns:a16="http://schemas.microsoft.com/office/drawing/2014/main" id="{2696C022-3606-4A22-9CBD-CCA0C065EC95}"/>
-              </a:ext>
-            </a:extLst>
-          </p:cNvPr>
+      <p:grpSpPr/>
+      <p:sp>
+        <p:nvSpPr>
+          <p:cNvPr id="4" name="Замещающий текст 3"/>
           <p:cNvSpPr>
             <a:spLocks noGrp="1"/>
           </p:cNvSpPr>
           <p:nvPr>
-            <p:ph type="title"/>
+            <p:ph type="body" sz="half" idx="2"/>
           </p:nvPr>
         </p:nvSpPr>
         <p:spPr>
           <a:xfrm>
-            <a:off x="1141412" y="618518"/>
-            <a:ext cx="10145864" cy="5496834"/>
+            <a:off x="1141095" y="1771650"/>
+            <a:ext cx="9363075" cy="3788410"/>
           </a:xfrm>
         </p:spPr>
         <p:txBody>
           <a:bodyPr>
-            <a:normAutofit/>
+            <a:noAutofit/>
           </a:bodyPr>
-          <a:lstStyle/>
-          <a:p>
-            <a:r>
-              <a:rPr lang="ru-RU" sz="9600" dirty="0">
-                <a:latin typeface="Artifakt Element Black" panose="020B0A03050000020004" pitchFamily="34" charset="-52"/>
-                <a:ea typeface="Artifakt Element Black" panose="020B0A03050000020004" pitchFamily="34" charset="-52"/>
+          <a:p>
+            <a:pPr marL="0" indent="0">
+              <a:buNone/>
+            </a:pPr>
+            <a:r>
+              <a:rPr lang="ru-RU" sz="3600" b="1" dirty="0">
+                <a:sym typeface="+mn-ea"/>
               </a:rPr>
-              <a:t>Здесь может быть ваша реклам</a:t>
-            </a:r>
+              <a:t>Любители криптографии</a:t>
+            </a:r>
+            <a:r>
+              <a:rPr lang="ru-RU" sz="3600" dirty="0">
+                <a:sym typeface="+mn-ea"/>
+              </a:rPr>
+              <a:t>: Люди, интересующиеся криптографией как хобби, могут использовать приложение для изученя шифра </a:t>
+            </a:r>
+            <a:r>
+              <a:rPr lang="ru-RU" sz="3600" dirty="0" err="1">
+                <a:sym typeface="+mn-ea"/>
+              </a:rPr>
+              <a:t>Атбаш</a:t>
+            </a:r>
+            <a:r>
+              <a:rPr lang="ru-RU" sz="3600" dirty="0">
+                <a:sym typeface="+mn-ea"/>
+              </a:rPr>
+              <a:t>.</a:t>
+            </a:r>
+            <a:endParaRPr lang="ru-RU" altLang="en-US" sz="3600" dirty="0">
+              <a:sym typeface="+mn-ea"/>
+            </a:endParaRPr>
+          </a:p>
+        </p:txBody>
+      </p:sp>
+      <p:sp>
+        <p:nvSpPr>
+          <p:cNvPr id="5" name="Текстовое поле 4"/>
+          <p:cNvSpPr txBox="1"/>
+          <p:nvPr/>
+        </p:nvSpPr>
+        <p:spPr>
+          <a:xfrm>
+            <a:off x="1141095" y="824865"/>
+            <a:ext cx="6659880" cy="848995"/>
+          </a:xfrm>
+          <a:prstGeom prst="rect">
+            <a:avLst/>
+          </a:prstGeom>
+          <a:noFill/>
+        </p:spPr>
+        <p:txBody>
+          <a:bodyPr wrap="square" rtlCol="0">
+            <a:noAutofit/>
+          </a:bodyPr>
+          <a:p>
+            <a:r>
+              <a:rPr lang="ru-RU" altLang="en-US" sz="3600">
+                <a:solidFill>
+                  <a:schemeClr val="accent1">
+                    <a:lumMod val="60000"/>
+                    <a:lumOff val="40000"/>
+                  </a:schemeClr>
+                </a:solidFill>
+                <a:sym typeface="+mn-ea"/>
+              </a:rPr>
+              <a:t>ДЛЯ КОГО НУЖЕН</a:t>
+            </a:r>
+            <a:r>
+              <a:rPr lang="en-US" altLang="en-US" sz="3600">
+                <a:solidFill>
+                  <a:schemeClr val="accent1">
+                    <a:lumMod val="60000"/>
+                    <a:lumOff val="40000"/>
+                  </a:schemeClr>
+                </a:solidFill>
+                <a:sym typeface="+mn-ea"/>
+              </a:rPr>
+              <a:t>?</a:t>
+            </a:r>
+            <a:endParaRPr lang="en-US" altLang="en-US" sz="3600">
+              <a:solidFill>
+                <a:schemeClr val="accent1">
+                  <a:lumMod val="60000"/>
+                  <a:lumOff val="40000"/>
+                </a:schemeClr>
+              </a:solidFill>
+              <a:sym typeface="+mn-ea"/>
+            </a:endParaRPr>
           </a:p>
         </p:txBody>
       </p:sp>
     </p:spTree>
-    <p:extLst>
-      <p:ext uri="{BB962C8B-B14F-4D97-AF65-F5344CB8AC3E}">
-        <p14:creationId xmlns:p14="http://schemas.microsoft.com/office/powerpoint/2010/main" val="322779089"/>
-      </p:ext>
-    </p:extLst>
   </p:cSld>
   <p:clrMapOvr>
     <a:masterClrMapping/>
@@ -13036,13 +12734,241 @@
       </p:grpSpPr>
       <p:sp>
         <p:nvSpPr>
-          <p:cNvPr id="2" name="Заголовок 1">
-            <a:extLst>
-              <a:ext uri="{FF2B5EF4-FFF2-40B4-BE49-F238E27FC236}">
-                <a16:creationId xmlns:a16="http://schemas.microsoft.com/office/drawing/2014/main" id="{FA245847-111B-4651-AA78-85151AFB0486}"/>
-              </a:ext>
-            </a:extLst>
-          </p:cNvPr>
+          <p:cNvPr id="2" name="Заголовок 1"/>
+          <p:cNvSpPr>
+            <a:spLocks noGrp="1"/>
+          </p:cNvSpPr>
+          <p:nvPr>
+            <p:ph type="title"/>
+          </p:nvPr>
+        </p:nvSpPr>
+        <p:spPr/>
+        <p:txBody>
+          <a:bodyPr>
+            <a:normAutofit/>
+          </a:bodyPr>
+          <a:lstStyle/>
+          <a:p>
+            <a:r>
+              <a:rPr lang="ru-RU" sz="3200" dirty="0">
+                <a:solidFill>
+                  <a:schemeClr val="accent1">
+                    <a:lumMod val="60000"/>
+                    <a:lumOff val="40000"/>
+                  </a:schemeClr>
+                </a:solidFill>
+              </a:rPr>
+              <a:t>Проблемы которые решает мой проект.</a:t>
+            </a:r>
+            <a:endParaRPr lang="ru-RU" sz="3200" dirty="0">
+              <a:solidFill>
+                <a:schemeClr val="accent1">
+                  <a:lumMod val="60000"/>
+                  <a:lumOff val="40000"/>
+                </a:schemeClr>
+              </a:solidFill>
+            </a:endParaRPr>
+          </a:p>
+        </p:txBody>
+      </p:sp>
+      <p:sp>
+        <p:nvSpPr>
+          <p:cNvPr id="3" name="Объект 2"/>
+          <p:cNvSpPr>
+            <a:spLocks noGrp="1"/>
+          </p:cNvSpPr>
+          <p:nvPr>
+            <p:ph idx="1"/>
+          </p:nvPr>
+        </p:nvSpPr>
+        <p:spPr/>
+        <p:txBody>
+          <a:bodyPr>
+            <a:normAutofit/>
+          </a:bodyPr>
+          <a:lstStyle/>
+          <a:p>
+            <a:r>
+              <a:rPr lang="ru-RU" sz="4000" b="1" dirty="0"/>
+              <a:t>Безопасность сообщений</a:t>
+            </a:r>
+            <a:r>
+              <a:rPr lang="ru-RU" sz="4000" dirty="0"/>
+              <a:t>: Защищает передаваемые сообщения от злоумышлеников на коммуникационных каналах.</a:t>
+            </a:r>
+            <a:r>
+              <a:rPr lang="ru-RU" sz="3600" b="1" dirty="0"/>
+              <a:t> </a:t>
+            </a:r>
+            <a:endParaRPr lang="ru-RU" sz="3600" b="1" dirty="0"/>
+          </a:p>
+          <a:p>
+            <a:endParaRPr lang="ru-RU" sz="3600" b="1" dirty="0"/>
+          </a:p>
+        </p:txBody>
+      </p:sp>
+    </p:spTree>
+  </p:cSld>
+  <p:clrMapOvr>
+    <a:masterClrMapping/>
+  </p:clrMapOvr>
+</p:sld>
+</file>
+
+<file path=ppt/slides/slide7.xml><?xml version="1.0" encoding="utf-8"?>
+<p:sld xmlns:a="http://schemas.openxmlformats.org/drawingml/2006/main" xmlns:r="http://schemas.openxmlformats.org/officeDocument/2006/relationships" xmlns:p="http://schemas.openxmlformats.org/presentationml/2006/main">
+  <p:cSld>
+    <p:spTree>
+      <p:nvGrpSpPr>
+        <p:cNvPr id="1" name=""/>
+        <p:cNvGrpSpPr/>
+        <p:nvPr/>
+      </p:nvGrpSpPr>
+      <p:grpSpPr/>
+      <p:sp>
+        <p:nvSpPr>
+          <p:cNvPr id="3" name="Замещающее содержимое 2"/>
+          <p:cNvSpPr>
+            <a:spLocks noGrp="1"/>
+          </p:cNvSpPr>
+          <p:nvPr>
+            <p:ph idx="1"/>
+          </p:nvPr>
+        </p:nvSpPr>
+        <p:spPr>
+          <a:xfrm>
+            <a:off x="1009650" y="578485"/>
+            <a:ext cx="10009505" cy="3966210"/>
+          </a:xfrm>
+        </p:spPr>
+        <p:txBody>
+          <a:bodyPr>
+            <a:noAutofit/>
+          </a:bodyPr>
+          <a:p>
+            <a:r>
+              <a:rPr lang="ru-RU" sz="3600" b="1" dirty="0">
+                <a:sym typeface="+mn-ea"/>
+              </a:rPr>
+              <a:t>Образовательные цели</a:t>
+            </a:r>
+            <a:r>
+              <a:rPr lang="ru-RU" sz="3600" dirty="0">
+                <a:sym typeface="+mn-ea"/>
+              </a:rPr>
+              <a:t>: Помогает студентам и преподавателям изучать криптографию и методы шифрования.</a:t>
+            </a:r>
+            <a:endParaRPr lang="ru-RU" sz="3600" dirty="0"/>
+          </a:p>
+          <a:p>
+            <a:r>
+              <a:rPr lang="ru-RU" sz="3600" b="1" dirty="0">
+                <a:sym typeface="+mn-ea"/>
+              </a:rPr>
+              <a:t>Защита личной жизни</a:t>
+            </a:r>
+            <a:r>
+              <a:rPr lang="ru-RU" sz="3600" dirty="0">
+                <a:sym typeface="+mn-ea"/>
+              </a:rPr>
+              <a:t>: Помогает сохранять личную жизнь, защищая личные общения от ненужного вмешательства.</a:t>
+            </a:r>
+            <a:endParaRPr lang="ru-RU" sz="3600" dirty="0"/>
+          </a:p>
+          <a:p>
+            <a:endParaRPr lang="ru-RU" altLang="en-US" sz="3600" dirty="0"/>
+          </a:p>
+        </p:txBody>
+      </p:sp>
+    </p:spTree>
+  </p:cSld>
+  <p:clrMapOvr>
+    <a:masterClrMapping/>
+  </p:clrMapOvr>
+</p:sld>
+</file>
+
+<file path=ppt/slides/slide8.xml><?xml version="1.0" encoding="utf-8"?>
+<p:sld xmlns:a="http://schemas.openxmlformats.org/drawingml/2006/main" xmlns:r="http://schemas.openxmlformats.org/officeDocument/2006/relationships" xmlns:p="http://schemas.openxmlformats.org/presentationml/2006/main">
+  <p:cSld>
+    <p:spTree>
+      <p:nvGrpSpPr>
+        <p:cNvPr id="1" name=""/>
+        <p:cNvGrpSpPr/>
+        <p:nvPr/>
+      </p:nvGrpSpPr>
+      <p:grpSpPr>
+        <a:xfrm>
+          <a:off x="0" y="0"/>
+          <a:ext cx="0" cy="0"/>
+          <a:chOff x="0" y="0"/>
+          <a:chExt cx="0" cy="0"/>
+        </a:xfrm>
+      </p:grpSpPr>
+      <p:sp>
+        <p:nvSpPr>
+          <p:cNvPr id="2" name="Заголовок 1"/>
+          <p:cNvSpPr>
+            <a:spLocks noGrp="1"/>
+          </p:cNvSpPr>
+          <p:nvPr>
+            <p:ph type="title"/>
+          </p:nvPr>
+        </p:nvSpPr>
+        <p:spPr>
+          <a:xfrm>
+            <a:off x="1141412" y="618518"/>
+            <a:ext cx="10145864" cy="5496834"/>
+          </a:xfrm>
+        </p:spPr>
+        <p:txBody>
+          <a:bodyPr>
+            <a:normAutofit/>
+          </a:bodyPr>
+          <a:lstStyle/>
+          <a:p>
+            <a:r>
+              <a:rPr lang="ru-RU" sz="9600" dirty="0">
+                <a:latin typeface="Artifakt Element Black" panose="020B0A03050000020004" pitchFamily="34" charset="-52"/>
+                <a:ea typeface="Artifakt Element Black" panose="020B0A03050000020004" pitchFamily="34" charset="-52"/>
+              </a:rPr>
+              <a:t>Здесь может быть ваша реклам</a:t>
+            </a:r>
+            <a:endParaRPr lang="ru-RU" sz="9600" dirty="0">
+              <a:latin typeface="Artifakt Element Black" panose="020B0A03050000020004" pitchFamily="34" charset="-52"/>
+              <a:ea typeface="Artifakt Element Black" panose="020B0A03050000020004" pitchFamily="34" charset="-52"/>
+            </a:endParaRPr>
+          </a:p>
+        </p:txBody>
+      </p:sp>
+    </p:spTree>
+  </p:cSld>
+  <p:clrMapOvr>
+    <a:masterClrMapping/>
+  </p:clrMapOvr>
+</p:sld>
+</file>
+
+<file path=ppt/slides/slide9.xml><?xml version="1.0" encoding="utf-8"?>
+<p:sld xmlns:a="http://schemas.openxmlformats.org/drawingml/2006/main" xmlns:r="http://schemas.openxmlformats.org/officeDocument/2006/relationships" xmlns:p="http://schemas.openxmlformats.org/presentationml/2006/main">
+  <p:cSld>
+    <p:spTree>
+      <p:nvGrpSpPr>
+        <p:cNvPr id="1" name=""/>
+        <p:cNvGrpSpPr/>
+        <p:nvPr/>
+      </p:nvGrpSpPr>
+      <p:grpSpPr>
+        <a:xfrm>
+          <a:off x="0" y="0"/>
+          <a:ext cx="0" cy="0"/>
+          <a:chOff x="0" y="0"/>
+          <a:chExt cx="0" cy="0"/>
+        </a:xfrm>
+      </p:grpSpPr>
+      <p:sp>
+        <p:nvSpPr>
+          <p:cNvPr id="2" name="Заголовок 1"/>
           <p:cNvSpPr>
             <a:spLocks noGrp="1"/>
           </p:cNvSpPr>
@@ -13064,7 +12990,7 @@
                   </a:schemeClr>
                 </a:solidFill>
               </a:rPr>
-              <a:t>Инструменты</a:t>
+              <a:t>Инструменты и ресурсы</a:t>
             </a:r>
             <a:r>
               <a:rPr lang="en-US" dirty="0">
@@ -13088,18 +13014,20 @@
               </a:rPr>
               <a:t> использованные для проекта</a:t>
             </a:r>
-          </a:p>
-        </p:txBody>
-      </p:sp>
-      <p:sp>
-        <p:nvSpPr>
-          <p:cNvPr id="3" name="Объект 2">
-            <a:extLst>
-              <a:ext uri="{FF2B5EF4-FFF2-40B4-BE49-F238E27FC236}">
-                <a16:creationId xmlns:a16="http://schemas.microsoft.com/office/drawing/2014/main" id="{921BDC08-3F47-4CA5-B1A6-BCB6CDFF79D0}"/>
-              </a:ext>
-            </a:extLst>
-          </p:cNvPr>
+            <a:endParaRPr lang="ru-RU" dirty="0">
+              <a:solidFill>
+                <a:schemeClr val="accent1">
+                  <a:lumMod val="60000"/>
+                  <a:lumOff val="40000"/>
+                </a:schemeClr>
+              </a:solidFill>
+            </a:endParaRPr>
+          </a:p>
+        </p:txBody>
+      </p:sp>
+      <p:sp>
+        <p:nvSpPr>
+          <p:cNvPr id="3" name="Объект 2"/>
           <p:cNvSpPr>
             <a:spLocks noGrp="1"/>
           </p:cNvSpPr>
@@ -13114,31 +13042,50 @@
           </a:xfrm>
         </p:spPr>
         <p:txBody>
-          <a:bodyPr/>
+          <a:bodyPr>
+            <a:normAutofit lnSpcReduction="10000"/>
+          </a:bodyPr>
           <a:lstStyle/>
           <a:p>
             <a:r>
-              <a:rPr lang="ru-RU" dirty="0"/>
+              <a:rPr lang="ru-RU" sz="2800" dirty="0"/>
               <a:t>Язык </a:t>
             </a:r>
             <a:r>
-              <a:rPr lang="ru-RU" dirty="0" err="1"/>
+              <a:rPr lang="ru-RU" sz="2800" dirty="0" err="1"/>
               <a:t>програмирования</a:t>
             </a:r>
             <a:r>
-              <a:rPr lang="en-US" dirty="0"/>
+              <a:rPr lang="en-US" sz="2800" dirty="0"/>
               <a:t>: Python</a:t>
             </a:r>
-          </a:p>
-          <a:p>
-            <a:r>
-              <a:rPr lang="ru-RU" dirty="0" err="1"/>
+            <a:endParaRPr lang="en-US" sz="2800" dirty="0"/>
+          </a:p>
+          <a:p>
+            <a:r>
+              <a:rPr lang="ru-RU" sz="2800" dirty="0" err="1"/>
               <a:t>бтблтотека</a:t>
             </a:r>
             <a:r>
-              <a:rPr lang="en-US" dirty="0"/>
+              <a:rPr lang="en-US" sz="2800" dirty="0"/>
               <a:t>:PyQt5</a:t>
             </a:r>
+            <a:endParaRPr lang="en-US" sz="2800" dirty="0"/>
+          </a:p>
+          <a:p>
+            <a:r>
+              <a:rPr lang="ru-RU" altLang="en-US" sz="2800" dirty="0"/>
+              <a:t>13</a:t>
+            </a:r>
+            <a:r>
+              <a:rPr lang="en-US" altLang="en-US" sz="2800" dirty="0"/>
+              <a:t>,</a:t>
+            </a:r>
+            <a:r>
+              <a:rPr lang="ru-RU" altLang="en-US" sz="2800" dirty="0"/>
+              <a:t>5 часов изучения необходимых програм и разработки приложения с нуля</a:t>
+            </a:r>
+            <a:endParaRPr lang="en-US" dirty="0"/>
           </a:p>
           <a:p>
             <a:endParaRPr lang="ru-RU" dirty="0"/>
@@ -13146,16 +13093,23 @@
         </p:txBody>
       </p:sp>
     </p:spTree>
-    <p:extLst>
-      <p:ext uri="{BB962C8B-B14F-4D97-AF65-F5344CB8AC3E}">
-        <p14:creationId xmlns:p14="http://schemas.microsoft.com/office/powerpoint/2010/main" val="182957271"/>
-      </p:ext>
-    </p:extLst>
   </p:cSld>
   <p:clrMapOvr>
     <a:masterClrMapping/>
   </p:clrMapOvr>
 </p:sld>
+</file>
+
+<file path=ppt/tags/tag1.xml><?xml version="1.0" encoding="utf-8"?>
+<p:tagLst xmlns:p="http://schemas.openxmlformats.org/presentationml/2006/main">
+  <p:tag name="KSO_WM_BEAUTIFY_FLAG" val=""/>
+</p:tagLst>
+</file>
+
+<file path=ppt/tags/tag2.xml><?xml version="1.0" encoding="utf-8"?>
+<p:tagLst xmlns:p="http://schemas.openxmlformats.org/presentationml/2006/main">
+  <p:tag name="KSO_WM_BEAUTIFY_FLAG" val=""/>
+</p:tagLst>
 </file>
 
 <file path=ppt/theme/theme1.xml><?xml version="1.0" encoding="utf-8"?>
@@ -13201,7 +13155,7 @@
     </a:clrScheme>
     <a:fontScheme name="Circuit">
       <a:majorFont>
-        <a:latin typeface="Tw Cen MT" panose="020B0602020104020603"/>
+        <a:latin typeface="Tw Cen MT"/>
         <a:ea typeface=""/>
         <a:cs typeface=""/>
         <a:font script="Jpan" typeface="ＭＳ Ｐゴシック"/>
@@ -13236,7 +13190,7 @@
         <a:font script="Geor" typeface="Sylfaen"/>
       </a:majorFont>
       <a:minorFont>
-        <a:latin typeface="Tw Cen MT" panose="020B0602020104020603"/>
+        <a:latin typeface="Tw Cen MT"/>
         <a:ea typeface=""/>
         <a:cs typeface=""/>
         <a:font script="Jpan" typeface="ＭＳ Ｐゴシック"/>
@@ -13394,16 +13348,16 @@
               </a:schemeClr>
             </a:duotone>
           </a:blip>
-          <a:stretch/>
+          <a:stretch>
+            <a:fillRect/>
+          </a:stretch>
         </a:blipFill>
       </a:bgFillStyleLst>
     </a:fmtScheme>
   </a:themeElements>
-  <a:objectDefaults/>
-  <a:extraClrSchemeLst/>
   <a:extLst>
     <a:ext uri="{05A4C25C-085E-4340-85A3-A5531E510DB2}">
-      <thm15:themeFamily xmlns:thm15="http://schemas.microsoft.com/office/thememl/2012/main" name="Circuit" id="{0AC2F7E7-15F5-431C-B2A2-456FE929F56C}" vid="{142578CA-DEC9-49C3-80AF-C113973CC9A9}"/>
+      <thm15:themeFamily xmlns:thm15="http://schemas.microsoft.com/office/thememl/2012/main" name="Office Theme" id="{62F939B6-93AF-4DB8-9C6B-D6C7DFDC589F}" vid="{4A3C46E8-61CC-4603-A589-7422A47A8E4A}"/>
     </a:ext>
   </a:extLst>
 </a:theme>
